--- a/data/image/image development.pptx
+++ b/data/image/image development.pptx
@@ -7,7 +7,6 @@
   <p:sldIdLst>
     <p:sldId id="256" r:id="rId2"/>
     <p:sldId id="257" r:id="rId3"/>
-    <p:sldId id="258" r:id="rId4"/>
   </p:sldIdLst>
   <p:sldSz cx="12192000" cy="6858000"/>
   <p:notesSz cx="6858000" cy="9144000"/>
@@ -106,6 +105,11 @@
       </a:defRPr>
     </a:lvl9pPr>
   </p:defaultTextStyle>
+  <p:extLst>
+    <p:ext uri="{EFAFB233-063F-42B5-8137-9DF3F51BA10A}">
+      <p15:sldGuideLst xmlns:p15="http://schemas.microsoft.com/office/powerpoint/2012/main"/>
+    </p:ext>
+  </p:extLst>
 </p:presentation>
 </file>
 
@@ -256,7 +260,7 @@
           <a:p>
             <a:fld id="{DEB065CA-2BF4-44D6-BE19-9CF89952384D}" type="datetimeFigureOut">
               <a:rPr lang="en-US" smtClean="0"/>
-              <a:t>5/15/2022</a:t>
+              <a:t>5/18/2022</a:t>
             </a:fld>
             <a:endParaRPr lang="en-US"/>
           </a:p>
@@ -454,7 +458,7 @@
           <a:p>
             <a:fld id="{DEB065CA-2BF4-44D6-BE19-9CF89952384D}" type="datetimeFigureOut">
               <a:rPr lang="en-US" smtClean="0"/>
-              <a:t>5/15/2022</a:t>
+              <a:t>5/18/2022</a:t>
             </a:fld>
             <a:endParaRPr lang="en-US"/>
           </a:p>
@@ -662,7 +666,7 @@
           <a:p>
             <a:fld id="{DEB065CA-2BF4-44D6-BE19-9CF89952384D}" type="datetimeFigureOut">
               <a:rPr lang="en-US" smtClean="0"/>
-              <a:t>5/15/2022</a:t>
+              <a:t>5/18/2022</a:t>
             </a:fld>
             <a:endParaRPr lang="en-US"/>
           </a:p>
@@ -860,7 +864,7 @@
           <a:p>
             <a:fld id="{DEB065CA-2BF4-44D6-BE19-9CF89952384D}" type="datetimeFigureOut">
               <a:rPr lang="en-US" smtClean="0"/>
-              <a:t>5/15/2022</a:t>
+              <a:t>5/18/2022</a:t>
             </a:fld>
             <a:endParaRPr lang="en-US"/>
           </a:p>
@@ -1135,7 +1139,7 @@
           <a:p>
             <a:fld id="{DEB065CA-2BF4-44D6-BE19-9CF89952384D}" type="datetimeFigureOut">
               <a:rPr lang="en-US" smtClean="0"/>
-              <a:t>5/15/2022</a:t>
+              <a:t>5/18/2022</a:t>
             </a:fld>
             <a:endParaRPr lang="en-US"/>
           </a:p>
@@ -1400,7 +1404,7 @@
           <a:p>
             <a:fld id="{DEB065CA-2BF4-44D6-BE19-9CF89952384D}" type="datetimeFigureOut">
               <a:rPr lang="en-US" smtClean="0"/>
-              <a:t>5/15/2022</a:t>
+              <a:t>5/18/2022</a:t>
             </a:fld>
             <a:endParaRPr lang="en-US"/>
           </a:p>
@@ -1812,7 +1816,7 @@
           <a:p>
             <a:fld id="{DEB065CA-2BF4-44D6-BE19-9CF89952384D}" type="datetimeFigureOut">
               <a:rPr lang="en-US" smtClean="0"/>
-              <a:t>5/15/2022</a:t>
+              <a:t>5/18/2022</a:t>
             </a:fld>
             <a:endParaRPr lang="en-US"/>
           </a:p>
@@ -1953,7 +1957,7 @@
           <a:p>
             <a:fld id="{DEB065CA-2BF4-44D6-BE19-9CF89952384D}" type="datetimeFigureOut">
               <a:rPr lang="en-US" smtClean="0"/>
-              <a:t>5/15/2022</a:t>
+              <a:t>5/18/2022</a:t>
             </a:fld>
             <a:endParaRPr lang="en-US"/>
           </a:p>
@@ -2066,7 +2070,7 @@
           <a:p>
             <a:fld id="{DEB065CA-2BF4-44D6-BE19-9CF89952384D}" type="datetimeFigureOut">
               <a:rPr lang="en-US" smtClean="0"/>
-              <a:t>5/15/2022</a:t>
+              <a:t>5/18/2022</a:t>
             </a:fld>
             <a:endParaRPr lang="en-US"/>
           </a:p>
@@ -2377,7 +2381,7 @@
           <a:p>
             <a:fld id="{DEB065CA-2BF4-44D6-BE19-9CF89952384D}" type="datetimeFigureOut">
               <a:rPr lang="en-US" smtClean="0"/>
-              <a:t>5/15/2022</a:t>
+              <a:t>5/18/2022</a:t>
             </a:fld>
             <a:endParaRPr lang="en-US"/>
           </a:p>
@@ -2665,7 +2669,7 @@
           <a:p>
             <a:fld id="{DEB065CA-2BF4-44D6-BE19-9CF89952384D}" type="datetimeFigureOut">
               <a:rPr lang="en-US" smtClean="0"/>
-              <a:t>5/15/2022</a:t>
+              <a:t>5/18/2022</a:t>
             </a:fld>
             <a:endParaRPr lang="en-US"/>
           </a:p>
@@ -2906,7 +2910,7 @@
           <a:p>
             <a:fld id="{DEB065CA-2BF4-44D6-BE19-9CF89952384D}" type="datetimeFigureOut">
               <a:rPr lang="en-US" smtClean="0"/>
-              <a:t>5/15/2022</a:t>
+              <a:t>5/18/2022</a:t>
             </a:fld>
             <a:endParaRPr lang="en-US"/>
           </a:p>
@@ -5959,309 +5963,6 @@
 </p:sld>
 </file>
 
-<file path=ppt/slides/slide3.xml><?xml version="1.0" encoding="utf-8"?>
-<p:sld xmlns:a="http://schemas.openxmlformats.org/drawingml/2006/main" xmlns:r="http://schemas.openxmlformats.org/officeDocument/2006/relationships" xmlns:p="http://schemas.openxmlformats.org/presentationml/2006/main">
-  <p:cSld>
-    <p:spTree>
-      <p:nvGrpSpPr>
-        <p:cNvPr id="1" name=""/>
-        <p:cNvGrpSpPr/>
-        <p:nvPr/>
-      </p:nvGrpSpPr>
-      <p:grpSpPr>
-        <a:xfrm>
-          <a:off x="0" y="0"/>
-          <a:ext cx="0" cy="0"/>
-          <a:chOff x="0" y="0"/>
-          <a:chExt cx="0" cy="0"/>
-        </a:xfrm>
-      </p:grpSpPr>
-      <p:pic>
-        <p:nvPicPr>
-          <p:cNvPr id="4" name="Picture 3" descr="Diagram&#10;&#10;Description automatically generated">
-            <a:extLst>
-              <a:ext uri="{FF2B5EF4-FFF2-40B4-BE49-F238E27FC236}">
-                <a16:creationId xmlns:a16="http://schemas.microsoft.com/office/drawing/2014/main" id="{4D081AC3-80EB-4004-9197-3D5E2BFB5CF9}"/>
-              </a:ext>
-            </a:extLst>
-          </p:cNvPr>
-          <p:cNvPicPr>
-            <a:picLocks noChangeAspect="1"/>
-          </p:cNvPicPr>
-          <p:nvPr/>
-        </p:nvPicPr>
-        <p:blipFill>
-          <a:blip r:embed="rId2">
-            <a:extLst>
-              <a:ext uri="{28A0092B-C50C-407E-A947-70E740481C1C}">
-                <a14:useLocalDpi xmlns:a14="http://schemas.microsoft.com/office/drawing/2010/main" val="0"/>
-              </a:ext>
-            </a:extLst>
-          </a:blip>
-          <a:stretch>
-            <a:fillRect/>
-          </a:stretch>
-        </p:blipFill>
-        <p:spPr>
-          <a:xfrm>
-            <a:off x="2081505" y="529289"/>
-            <a:ext cx="6578401" cy="1922293"/>
-          </a:xfrm>
-          <a:prstGeom prst="rect">
-            <a:avLst/>
-          </a:prstGeom>
-        </p:spPr>
-      </p:pic>
-      <p:pic>
-        <p:nvPicPr>
-          <p:cNvPr id="17" name="Picture 16" descr="Diagram&#10;&#10;Description automatically generated">
-            <a:extLst>
-              <a:ext uri="{FF2B5EF4-FFF2-40B4-BE49-F238E27FC236}">
-                <a16:creationId xmlns:a16="http://schemas.microsoft.com/office/drawing/2014/main" id="{A8C15C42-B0D0-4AE7-B27E-FA646996F3A0}"/>
-              </a:ext>
-            </a:extLst>
-          </p:cNvPr>
-          <p:cNvPicPr>
-            <a:picLocks noChangeAspect="1"/>
-          </p:cNvPicPr>
-          <p:nvPr/>
-        </p:nvPicPr>
-        <p:blipFill>
-          <a:blip r:embed="rId2">
-            <a:extLst>
-              <a:ext uri="{28A0092B-C50C-407E-A947-70E740481C1C}">
-                <a14:useLocalDpi xmlns:a14="http://schemas.microsoft.com/office/drawing/2010/main" val="0"/>
-              </a:ext>
-            </a:extLst>
-          </a:blip>
-          <a:stretch>
-            <a:fillRect/>
-          </a:stretch>
-        </p:blipFill>
-        <p:spPr>
-          <a:xfrm>
-            <a:off x="2081505" y="2477022"/>
-            <a:ext cx="6578404" cy="1922293"/>
-          </a:xfrm>
-          <a:prstGeom prst="rect">
-            <a:avLst/>
-          </a:prstGeom>
-        </p:spPr>
-      </p:pic>
-      <p:pic>
-        <p:nvPicPr>
-          <p:cNvPr id="18" name="Picture 17" descr="Diagram&#10;&#10;Description automatically generated">
-            <a:extLst>
-              <a:ext uri="{FF2B5EF4-FFF2-40B4-BE49-F238E27FC236}">
-                <a16:creationId xmlns:a16="http://schemas.microsoft.com/office/drawing/2014/main" id="{AA573E3C-51D5-4BFE-AB50-C6DA51A7F482}"/>
-              </a:ext>
-            </a:extLst>
-          </p:cNvPr>
-          <p:cNvPicPr>
-            <a:picLocks noChangeAspect="1"/>
-          </p:cNvPicPr>
-          <p:nvPr/>
-        </p:nvPicPr>
-        <p:blipFill>
-          <a:blip r:embed="rId2">
-            <a:extLst>
-              <a:ext uri="{28A0092B-C50C-407E-A947-70E740481C1C}">
-                <a14:useLocalDpi xmlns:a14="http://schemas.microsoft.com/office/drawing/2010/main" val="0"/>
-              </a:ext>
-            </a:extLst>
-          </a:blip>
-          <a:stretch>
-            <a:fillRect/>
-          </a:stretch>
-        </p:blipFill>
-        <p:spPr>
-          <a:xfrm>
-            <a:off x="2081502" y="4424755"/>
-            <a:ext cx="6578404" cy="1922293"/>
-          </a:xfrm>
-          <a:prstGeom prst="rect">
-            <a:avLst/>
-          </a:prstGeom>
-        </p:spPr>
-      </p:pic>
-      <p:sp>
-        <p:nvSpPr>
-          <p:cNvPr id="5" name="TextBox 4">
-            <a:extLst>
-              <a:ext uri="{FF2B5EF4-FFF2-40B4-BE49-F238E27FC236}">
-                <a16:creationId xmlns:a16="http://schemas.microsoft.com/office/drawing/2014/main" id="{6971C0FE-EC94-47A5-829B-5FE9E8A8EA24}"/>
-              </a:ext>
-            </a:extLst>
-          </p:cNvPr>
-          <p:cNvSpPr txBox="1"/>
-          <p:nvPr/>
-        </p:nvSpPr>
-        <p:spPr>
-          <a:xfrm>
-            <a:off x="443991" y="1305769"/>
-            <a:ext cx="1547283" cy="369332"/>
-          </a:xfrm>
-          <a:prstGeom prst="rect">
-            <a:avLst/>
-          </a:prstGeom>
-          <a:noFill/>
-        </p:spPr>
-        <p:txBody>
-          <a:bodyPr wrap="none" rtlCol="0">
-            <a:spAutoFit/>
-          </a:bodyPr>
-          <a:lstStyle/>
-          <a:p>
-            <a:r>
-              <a:rPr lang="en-US" dirty="0"/>
-              <a:t>Budget $5,000</a:t>
-            </a:r>
-          </a:p>
-        </p:txBody>
-      </p:sp>
-      <p:sp>
-        <p:nvSpPr>
-          <p:cNvPr id="21" name="TextBox 20">
-            <a:extLst>
-              <a:ext uri="{FF2B5EF4-FFF2-40B4-BE49-F238E27FC236}">
-                <a16:creationId xmlns:a16="http://schemas.microsoft.com/office/drawing/2014/main" id="{CA64EF54-7355-480D-ABB7-36F21CB8BC42}"/>
-              </a:ext>
-            </a:extLst>
-          </p:cNvPr>
-          <p:cNvSpPr txBox="1"/>
-          <p:nvPr/>
-        </p:nvSpPr>
-        <p:spPr>
-          <a:xfrm>
-            <a:off x="385482" y="3253502"/>
-            <a:ext cx="1664302" cy="369332"/>
-          </a:xfrm>
-          <a:prstGeom prst="rect">
-            <a:avLst/>
-          </a:prstGeom>
-          <a:noFill/>
-        </p:spPr>
-        <p:txBody>
-          <a:bodyPr wrap="none" rtlCol="0">
-            <a:spAutoFit/>
-          </a:bodyPr>
-          <a:lstStyle/>
-          <a:p>
-            <a:r>
-              <a:rPr lang="en-US" dirty="0"/>
-              <a:t>Budget $10,000</a:t>
-            </a:r>
-          </a:p>
-        </p:txBody>
-      </p:sp>
-      <p:sp>
-        <p:nvSpPr>
-          <p:cNvPr id="22" name="TextBox 21">
-            <a:extLst>
-              <a:ext uri="{FF2B5EF4-FFF2-40B4-BE49-F238E27FC236}">
-                <a16:creationId xmlns:a16="http://schemas.microsoft.com/office/drawing/2014/main" id="{40BCE874-9A18-4C4E-AB09-37FF6BA74603}"/>
-              </a:ext>
-            </a:extLst>
-          </p:cNvPr>
-          <p:cNvSpPr txBox="1"/>
-          <p:nvPr/>
-        </p:nvSpPr>
-        <p:spPr>
-          <a:xfrm>
-            <a:off x="385481" y="5201235"/>
-            <a:ext cx="1664302" cy="369332"/>
-          </a:xfrm>
-          <a:prstGeom prst="rect">
-            <a:avLst/>
-          </a:prstGeom>
-          <a:noFill/>
-        </p:spPr>
-        <p:txBody>
-          <a:bodyPr wrap="none" rtlCol="0">
-            <a:spAutoFit/>
-          </a:bodyPr>
-          <a:lstStyle/>
-          <a:p>
-            <a:r>
-              <a:rPr lang="en-US" dirty="0"/>
-              <a:t>Budget $15,000</a:t>
-            </a:r>
-          </a:p>
-        </p:txBody>
-      </p:sp>
-      <p:pic>
-        <p:nvPicPr>
-          <p:cNvPr id="10" name="Picture 9">
-            <a:extLst>
-              <a:ext uri="{FF2B5EF4-FFF2-40B4-BE49-F238E27FC236}">
-                <a16:creationId xmlns:a16="http://schemas.microsoft.com/office/drawing/2014/main" id="{B9A180BE-55F8-4150-B485-580DFB39ED75}"/>
-              </a:ext>
-            </a:extLst>
-          </p:cNvPr>
-          <p:cNvPicPr>
-            <a:picLocks noChangeAspect="1"/>
-          </p:cNvPicPr>
-          <p:nvPr/>
-        </p:nvPicPr>
-        <p:blipFill>
-          <a:blip r:embed="rId3"/>
-          <a:stretch>
-            <a:fillRect/>
-          </a:stretch>
-        </p:blipFill>
-        <p:spPr>
-          <a:xfrm>
-            <a:off x="8544815" y="2833595"/>
-            <a:ext cx="466564" cy="419907"/>
-          </a:xfrm>
-          <a:prstGeom prst="rect">
-            <a:avLst/>
-          </a:prstGeom>
-        </p:spPr>
-      </p:pic>
-      <p:pic>
-        <p:nvPicPr>
-          <p:cNvPr id="27" name="Picture 26">
-            <a:extLst>
-              <a:ext uri="{FF2B5EF4-FFF2-40B4-BE49-F238E27FC236}">
-                <a16:creationId xmlns:a16="http://schemas.microsoft.com/office/drawing/2014/main" id="{59EA99A7-45C8-45D7-AA3F-EB46005D87B1}"/>
-              </a:ext>
-            </a:extLst>
-          </p:cNvPr>
-          <p:cNvPicPr>
-            <a:picLocks noChangeAspect="1"/>
-          </p:cNvPicPr>
-          <p:nvPr/>
-        </p:nvPicPr>
-        <p:blipFill>
-          <a:blip r:embed="rId4"/>
-          <a:stretch>
-            <a:fillRect/>
-          </a:stretch>
-        </p:blipFill>
-        <p:spPr>
-          <a:xfrm>
-            <a:off x="9179180" y="3060566"/>
-            <a:ext cx="1046496" cy="755203"/>
-          </a:xfrm>
-          <a:prstGeom prst="rect">
-            <a:avLst/>
-          </a:prstGeom>
-        </p:spPr>
-      </p:pic>
-    </p:spTree>
-    <p:extLst>
-      <p:ext uri="{BB962C8B-B14F-4D97-AF65-F5344CB8AC3E}">
-        <p14:creationId xmlns:p14="http://schemas.microsoft.com/office/powerpoint/2010/main" val="105313806"/>
-      </p:ext>
-    </p:extLst>
-  </p:cSld>
-  <p:clrMapOvr>
-    <a:masterClrMapping/>
-  </p:clrMapOvr>
-</p:sld>
-</file>
-
 <file path=ppt/theme/theme1.xml><?xml version="1.0" encoding="utf-8"?>
 <a:theme xmlns:a="http://schemas.openxmlformats.org/drawingml/2006/main" name="Office Theme">
   <a:themeElements>

--- a/data/image/image development.pptx
+++ b/data/image/image development.pptx
@@ -5,8 +5,10 @@
     <p:sldMasterId id="2147483648" r:id="rId1"/>
   </p:sldMasterIdLst>
   <p:sldIdLst>
-    <p:sldId id="256" r:id="rId2"/>
-    <p:sldId id="257" r:id="rId3"/>
+    <p:sldId id="258" r:id="rId2"/>
+    <p:sldId id="256" r:id="rId3"/>
+    <p:sldId id="257" r:id="rId4"/>
+    <p:sldId id="259" r:id="rId5"/>
   </p:sldIdLst>
   <p:sldSz cx="12192000" cy="6858000"/>
   <p:notesSz cx="6858000" cy="9144000"/>
@@ -3327,6 +3329,417 @@
           <a:chExt cx="0" cy="0"/>
         </a:xfrm>
       </p:grpSpPr>
+      <p:sp>
+        <p:nvSpPr>
+          <p:cNvPr id="35" name="Rectangle 34">
+            <a:extLst>
+              <a:ext uri="{FF2B5EF4-FFF2-40B4-BE49-F238E27FC236}">
+                <a16:creationId xmlns:a16="http://schemas.microsoft.com/office/drawing/2014/main" id="{06CA7DE1-9314-4064-B42D-DFDD4A9C2405}"/>
+              </a:ext>
+            </a:extLst>
+          </p:cNvPr>
+          <p:cNvSpPr/>
+          <p:nvPr/>
+        </p:nvSpPr>
+        <p:spPr>
+          <a:xfrm>
+            <a:off x="3542528" y="2317409"/>
+            <a:ext cx="1881051" cy="2219689"/>
+          </a:xfrm>
+          <a:prstGeom prst="rect">
+            <a:avLst/>
+          </a:prstGeom>
+          <a:solidFill>
+            <a:schemeClr val="bg1"/>
+          </a:solidFill>
+          <a:effectLst>
+            <a:outerShdw blurRad="50800" dist="63500" algn="l" rotWithShape="0">
+              <a:prstClr val="black">
+                <a:alpha val="40000"/>
+              </a:prstClr>
+            </a:outerShdw>
+          </a:effectLst>
+        </p:spPr>
+        <p:style>
+          <a:lnRef idx="2">
+            <a:schemeClr val="accent1">
+              <a:shade val="50000"/>
+            </a:schemeClr>
+          </a:lnRef>
+          <a:fillRef idx="1">
+            <a:schemeClr val="accent1"/>
+          </a:fillRef>
+          <a:effectRef idx="0">
+            <a:schemeClr val="accent1"/>
+          </a:effectRef>
+          <a:fontRef idx="minor">
+            <a:schemeClr val="lt1"/>
+          </a:fontRef>
+        </p:style>
+        <p:txBody>
+          <a:bodyPr rtlCol="0" anchor="ctr"/>
+          <a:lstStyle/>
+          <a:p>
+            <a:pPr algn="ctr"/>
+            <a:endParaRPr lang="en-US"/>
+          </a:p>
+        </p:txBody>
+      </p:sp>
+      <p:sp>
+        <p:nvSpPr>
+          <p:cNvPr id="3" name="Rectangle 2">
+            <a:extLst>
+              <a:ext uri="{FF2B5EF4-FFF2-40B4-BE49-F238E27FC236}">
+                <a16:creationId xmlns:a16="http://schemas.microsoft.com/office/drawing/2014/main" id="{CFA67421-E23D-401F-8F4D-EB1A9BBE1FCE}"/>
+              </a:ext>
+            </a:extLst>
+          </p:cNvPr>
+          <p:cNvSpPr/>
+          <p:nvPr/>
+        </p:nvSpPr>
+        <p:spPr>
+          <a:xfrm>
+            <a:off x="4598126" y="2317410"/>
+            <a:ext cx="3422069" cy="2219689"/>
+          </a:xfrm>
+          <a:prstGeom prst="rect">
+            <a:avLst/>
+          </a:prstGeom>
+          <a:solidFill>
+            <a:srgbClr val="CC0000"/>
+          </a:solidFill>
+          <a:effectLst>
+            <a:outerShdw blurRad="50800" dist="63500" algn="l" rotWithShape="0">
+              <a:prstClr val="black">
+                <a:alpha val="40000"/>
+              </a:prstClr>
+            </a:outerShdw>
+          </a:effectLst>
+        </p:spPr>
+        <p:style>
+          <a:lnRef idx="2">
+            <a:schemeClr val="accent1">
+              <a:shade val="50000"/>
+            </a:schemeClr>
+          </a:lnRef>
+          <a:fillRef idx="1">
+            <a:schemeClr val="accent1"/>
+          </a:fillRef>
+          <a:effectRef idx="0">
+            <a:schemeClr val="accent1"/>
+          </a:effectRef>
+          <a:fontRef idx="minor">
+            <a:schemeClr val="lt1"/>
+          </a:fontRef>
+        </p:style>
+        <p:txBody>
+          <a:bodyPr rtlCol="0" anchor="ctr"/>
+          <a:lstStyle/>
+          <a:p>
+            <a:pPr algn="ctr"/>
+            <a:endParaRPr lang="en-US" dirty="0"/>
+          </a:p>
+        </p:txBody>
+      </p:sp>
+      <p:sp>
+        <p:nvSpPr>
+          <p:cNvPr id="4" name="TextBox 3">
+            <a:extLst>
+              <a:ext uri="{FF2B5EF4-FFF2-40B4-BE49-F238E27FC236}">
+                <a16:creationId xmlns:a16="http://schemas.microsoft.com/office/drawing/2014/main" id="{B33F1E27-BF0C-4A4A-BA62-4FBCBD655906}"/>
+              </a:ext>
+            </a:extLst>
+          </p:cNvPr>
+          <p:cNvSpPr txBox="1"/>
+          <p:nvPr/>
+        </p:nvSpPr>
+        <p:spPr>
+          <a:xfrm>
+            <a:off x="5303115" y="2412160"/>
+            <a:ext cx="2012089" cy="769441"/>
+          </a:xfrm>
+          <a:prstGeom prst="rect">
+            <a:avLst/>
+          </a:prstGeom>
+          <a:noFill/>
+        </p:spPr>
+        <p:txBody>
+          <a:bodyPr wrap="none" rtlCol="0">
+            <a:spAutoFit/>
+          </a:bodyPr>
+          <a:lstStyle/>
+          <a:p>
+            <a:r>
+              <a:rPr lang="en-US" sz="4400" dirty="0">
+                <a:solidFill>
+                  <a:schemeClr val="bg1"/>
+                </a:solidFill>
+                <a:latin typeface="Impact" panose="020B0806030902050204" pitchFamily="34" charset="0"/>
+              </a:rPr>
+              <a:t>COUPON</a:t>
+            </a:r>
+          </a:p>
+        </p:txBody>
+      </p:sp>
+      <p:sp>
+        <p:nvSpPr>
+          <p:cNvPr id="7" name="Rectangle: Rounded Corners 6">
+            <a:extLst>
+              <a:ext uri="{FF2B5EF4-FFF2-40B4-BE49-F238E27FC236}">
+                <a16:creationId xmlns:a16="http://schemas.microsoft.com/office/drawing/2014/main" id="{B3E5E72B-4B67-492A-B0D3-DFDBE78DF551}"/>
+              </a:ext>
+            </a:extLst>
+          </p:cNvPr>
+          <p:cNvSpPr/>
+          <p:nvPr/>
+        </p:nvSpPr>
+        <p:spPr>
+          <a:xfrm>
+            <a:off x="4894217" y="3209790"/>
+            <a:ext cx="2768195" cy="914400"/>
+          </a:xfrm>
+          <a:prstGeom prst="roundRect">
+            <a:avLst/>
+          </a:prstGeom>
+          <a:solidFill>
+            <a:schemeClr val="bg1"/>
+          </a:solidFill>
+          <a:ln>
+            <a:noFill/>
+          </a:ln>
+        </p:spPr>
+        <p:style>
+          <a:lnRef idx="2">
+            <a:schemeClr val="accent1">
+              <a:shade val="50000"/>
+            </a:schemeClr>
+          </a:lnRef>
+          <a:fillRef idx="1">
+            <a:schemeClr val="accent1"/>
+          </a:fillRef>
+          <a:effectRef idx="0">
+            <a:schemeClr val="accent1"/>
+          </a:effectRef>
+          <a:fontRef idx="minor">
+            <a:schemeClr val="lt1"/>
+          </a:fontRef>
+        </p:style>
+        <p:txBody>
+          <a:bodyPr rtlCol="0" anchor="ctr"/>
+          <a:lstStyle/>
+          <a:p>
+            <a:pPr algn="ctr"/>
+            <a:endParaRPr lang="en-US"/>
+          </a:p>
+        </p:txBody>
+      </p:sp>
+      <p:sp>
+        <p:nvSpPr>
+          <p:cNvPr id="12" name="Rectangle: Rounded Corners 11">
+            <a:extLst>
+              <a:ext uri="{FF2B5EF4-FFF2-40B4-BE49-F238E27FC236}">
+                <a16:creationId xmlns:a16="http://schemas.microsoft.com/office/drawing/2014/main" id="{FB92A70D-AEB6-4C9D-A2FB-5AECFF0FBE54}"/>
+              </a:ext>
+            </a:extLst>
+          </p:cNvPr>
+          <p:cNvSpPr/>
+          <p:nvPr/>
+        </p:nvSpPr>
+        <p:spPr>
+          <a:xfrm>
+            <a:off x="6696892" y="3264592"/>
+            <a:ext cx="906776" cy="804795"/>
+          </a:xfrm>
+          <a:prstGeom prst="roundRect">
+            <a:avLst/>
+          </a:prstGeom>
+          <a:solidFill>
+            <a:srgbClr val="CC0000"/>
+          </a:solidFill>
+          <a:ln>
+            <a:noFill/>
+          </a:ln>
+        </p:spPr>
+        <p:style>
+          <a:lnRef idx="2">
+            <a:schemeClr val="accent1">
+              <a:shade val="50000"/>
+            </a:schemeClr>
+          </a:lnRef>
+          <a:fillRef idx="1">
+            <a:schemeClr val="accent1"/>
+          </a:fillRef>
+          <a:effectRef idx="0">
+            <a:schemeClr val="accent1"/>
+          </a:effectRef>
+          <a:fontRef idx="minor">
+            <a:schemeClr val="lt1"/>
+          </a:fontRef>
+        </p:style>
+        <p:txBody>
+          <a:bodyPr rtlCol="0" anchor="ctr"/>
+          <a:lstStyle/>
+          <a:p>
+            <a:pPr algn="ctr"/>
+            <a:endParaRPr lang="en-US"/>
+          </a:p>
+        </p:txBody>
+      </p:sp>
+      <p:sp>
+        <p:nvSpPr>
+          <p:cNvPr id="14" name="TextBox 13">
+            <a:extLst>
+              <a:ext uri="{FF2B5EF4-FFF2-40B4-BE49-F238E27FC236}">
+                <a16:creationId xmlns:a16="http://schemas.microsoft.com/office/drawing/2014/main" id="{6656DE7E-F1C1-4C75-9E81-9BA3D912D5B0}"/>
+              </a:ext>
+            </a:extLst>
+          </p:cNvPr>
+          <p:cNvSpPr txBox="1"/>
+          <p:nvPr/>
+        </p:nvSpPr>
+        <p:spPr>
+          <a:xfrm>
+            <a:off x="6723720" y="3313046"/>
+            <a:ext cx="853119" cy="707886"/>
+          </a:xfrm>
+          <a:prstGeom prst="rect">
+            <a:avLst/>
+          </a:prstGeom>
+          <a:noFill/>
+        </p:spPr>
+        <p:txBody>
+          <a:bodyPr wrap="none" rtlCol="0" anchor="t" anchorCtr="1">
+            <a:spAutoFit/>
+          </a:bodyPr>
+          <a:lstStyle/>
+          <a:p>
+            <a:r>
+              <a:rPr lang="en-US" sz="2800" dirty="0">
+                <a:solidFill>
+                  <a:schemeClr val="bg1"/>
+                </a:solidFill>
+                <a:latin typeface="Impact" panose="020B0806030902050204" pitchFamily="34" charset="0"/>
+              </a:rPr>
+              <a:t>$</a:t>
+            </a:r>
+            <a:r>
+              <a:rPr lang="en-US" sz="4000" dirty="0">
+                <a:solidFill>
+                  <a:schemeClr val="bg1"/>
+                </a:solidFill>
+                <a:latin typeface="Impact" panose="020B0806030902050204" pitchFamily="34" charset="0"/>
+              </a:rPr>
+              <a:t>10</a:t>
+            </a:r>
+            <a:endParaRPr lang="en-US" sz="3600" dirty="0">
+              <a:solidFill>
+                <a:schemeClr val="bg1"/>
+              </a:solidFill>
+              <a:latin typeface="Impact" panose="020B0806030902050204" pitchFamily="34" charset="0"/>
+            </a:endParaRPr>
+          </a:p>
+        </p:txBody>
+      </p:sp>
+      <p:sp>
+        <p:nvSpPr>
+          <p:cNvPr id="38" name="TextBox 37">
+            <a:extLst>
+              <a:ext uri="{FF2B5EF4-FFF2-40B4-BE49-F238E27FC236}">
+                <a16:creationId xmlns:a16="http://schemas.microsoft.com/office/drawing/2014/main" id="{1303A341-34A8-47C4-AFE8-50443B9D0821}"/>
+              </a:ext>
+            </a:extLst>
+          </p:cNvPr>
+          <p:cNvSpPr txBox="1"/>
+          <p:nvPr/>
+        </p:nvSpPr>
+        <p:spPr>
+          <a:xfrm>
+            <a:off x="5194271" y="3279466"/>
+            <a:ext cx="1381404" cy="830997"/>
+          </a:xfrm>
+          <a:prstGeom prst="rect">
+            <a:avLst/>
+          </a:prstGeom>
+          <a:noFill/>
+        </p:spPr>
+        <p:txBody>
+          <a:bodyPr wrap="none" rtlCol="0">
+            <a:spAutoFit/>
+          </a:bodyPr>
+          <a:lstStyle/>
+          <a:p>
+            <a:r>
+              <a:rPr lang="en-US" sz="4800" dirty="0">
+                <a:solidFill>
+                  <a:srgbClr val="CC0000"/>
+                </a:solidFill>
+                <a:latin typeface="Impact" panose="020B0806030902050204" pitchFamily="34" charset="0"/>
+              </a:rPr>
+              <a:t>SAVE</a:t>
+            </a:r>
+          </a:p>
+        </p:txBody>
+      </p:sp>
+      <p:pic>
+        <p:nvPicPr>
+          <p:cNvPr id="18" name="Picture 17">
+            <a:extLst>
+              <a:ext uri="{FF2B5EF4-FFF2-40B4-BE49-F238E27FC236}">
+                <a16:creationId xmlns:a16="http://schemas.microsoft.com/office/drawing/2014/main" id="{C9DA9E6B-57AC-41CA-8456-A81960355D93}"/>
+              </a:ext>
+            </a:extLst>
+          </p:cNvPr>
+          <p:cNvPicPr>
+            <a:picLocks noChangeAspect="1"/>
+          </p:cNvPicPr>
+          <p:nvPr/>
+        </p:nvPicPr>
+        <p:blipFill>
+          <a:blip r:embed="rId2"/>
+          <a:stretch>
+            <a:fillRect/>
+          </a:stretch>
+        </p:blipFill>
+        <p:spPr>
+          <a:xfrm>
+            <a:off x="3820506" y="2376022"/>
+            <a:ext cx="528653" cy="2102461"/>
+          </a:xfrm>
+          <a:prstGeom prst="rect">
+            <a:avLst/>
+          </a:prstGeom>
+        </p:spPr>
+      </p:pic>
+    </p:spTree>
+    <p:extLst>
+      <p:ext uri="{BB962C8B-B14F-4D97-AF65-F5344CB8AC3E}">
+        <p14:creationId xmlns:p14="http://schemas.microsoft.com/office/powerpoint/2010/main" val="694224347"/>
+      </p:ext>
+    </p:extLst>
+  </p:cSld>
+  <p:clrMapOvr>
+    <a:masterClrMapping/>
+  </p:clrMapOvr>
+</p:sld>
+</file>
+
+<file path=ppt/slides/slide2.xml><?xml version="1.0" encoding="utf-8"?>
+<p:sld xmlns:a="http://schemas.openxmlformats.org/drawingml/2006/main" xmlns:r="http://schemas.openxmlformats.org/officeDocument/2006/relationships" xmlns:p="http://schemas.openxmlformats.org/presentationml/2006/main">
+  <p:cSld>
+    <p:spTree>
+      <p:nvGrpSpPr>
+        <p:cNvPr id="1" name=""/>
+        <p:cNvGrpSpPr/>
+        <p:nvPr/>
+      </p:nvGrpSpPr>
+      <p:grpSpPr>
+        <a:xfrm>
+          <a:off x="0" y="0"/>
+          <a:ext cx="0" cy="0"/>
+          <a:chOff x="0" y="0"/>
+          <a:chExt cx="0" cy="0"/>
+        </a:xfrm>
+      </p:grpSpPr>
       <p:pic>
         <p:nvPicPr>
           <p:cNvPr id="5" name="Picture 4">
@@ -5383,7 +5796,7 @@
 </p:sld>
 </file>
 
-<file path=ppt/slides/slide2.xml><?xml version="1.0" encoding="utf-8"?>
+<file path=ppt/slides/slide3.xml><?xml version="1.0" encoding="utf-8"?>
 <p:sld xmlns:a="http://schemas.openxmlformats.org/drawingml/2006/main" xmlns:r="http://schemas.openxmlformats.org/officeDocument/2006/relationships" xmlns:p="http://schemas.openxmlformats.org/presentationml/2006/main">
   <p:cSld>
     <p:spTree>
@@ -5954,6 +6367,1048 @@
     <p:extLst>
       <p:ext uri="{BB962C8B-B14F-4D97-AF65-F5344CB8AC3E}">
         <p14:creationId xmlns:p14="http://schemas.microsoft.com/office/powerpoint/2010/main" val="1367514295"/>
+      </p:ext>
+    </p:extLst>
+  </p:cSld>
+  <p:clrMapOvr>
+    <a:masterClrMapping/>
+  </p:clrMapOvr>
+</p:sld>
+</file>
+
+<file path=ppt/slides/slide4.xml><?xml version="1.0" encoding="utf-8"?>
+<p:sld xmlns:a="http://schemas.openxmlformats.org/drawingml/2006/main" xmlns:r="http://schemas.openxmlformats.org/officeDocument/2006/relationships" xmlns:p="http://schemas.openxmlformats.org/presentationml/2006/main">
+  <p:cSld>
+    <p:spTree>
+      <p:nvGrpSpPr>
+        <p:cNvPr id="1" name=""/>
+        <p:cNvGrpSpPr/>
+        <p:nvPr/>
+      </p:nvGrpSpPr>
+      <p:grpSpPr>
+        <a:xfrm>
+          <a:off x="0" y="0"/>
+          <a:ext cx="0" cy="0"/>
+          <a:chOff x="0" y="0"/>
+          <a:chExt cx="0" cy="0"/>
+        </a:xfrm>
+      </p:grpSpPr>
+      <p:sp>
+        <p:nvSpPr>
+          <p:cNvPr id="2" name="Rectangle 1">
+            <a:extLst>
+              <a:ext uri="{FF2B5EF4-FFF2-40B4-BE49-F238E27FC236}">
+                <a16:creationId xmlns:a16="http://schemas.microsoft.com/office/drawing/2014/main" id="{8688C244-3AF3-40AE-8523-3ACEE8049E6C}"/>
+              </a:ext>
+            </a:extLst>
+          </p:cNvPr>
+          <p:cNvSpPr/>
+          <p:nvPr/>
+        </p:nvSpPr>
+        <p:spPr>
+          <a:xfrm>
+            <a:off x="2351314" y="2490651"/>
+            <a:ext cx="2286000" cy="2286000"/>
+          </a:xfrm>
+          <a:prstGeom prst="rect">
+            <a:avLst/>
+          </a:prstGeom>
+          <a:solidFill>
+            <a:schemeClr val="bg1"/>
+          </a:solidFill>
+          <a:ln w="25400">
+            <a:solidFill>
+              <a:schemeClr val="tx1"/>
+            </a:solidFill>
+          </a:ln>
+        </p:spPr>
+        <p:style>
+          <a:lnRef idx="2">
+            <a:schemeClr val="accent1">
+              <a:shade val="50000"/>
+            </a:schemeClr>
+          </a:lnRef>
+          <a:fillRef idx="1">
+            <a:schemeClr val="accent1"/>
+          </a:fillRef>
+          <a:effectRef idx="0">
+            <a:schemeClr val="accent1"/>
+          </a:effectRef>
+          <a:fontRef idx="minor">
+            <a:schemeClr val="lt1"/>
+          </a:fontRef>
+        </p:style>
+        <p:txBody>
+          <a:bodyPr rtlCol="0" anchor="ctr"/>
+          <a:lstStyle/>
+          <a:p>
+            <a:pPr algn="ctr"/>
+            <a:endParaRPr lang="en-US"/>
+          </a:p>
+        </p:txBody>
+      </p:sp>
+      <p:sp>
+        <p:nvSpPr>
+          <p:cNvPr id="11" name="Rectangle 10">
+            <a:extLst>
+              <a:ext uri="{FF2B5EF4-FFF2-40B4-BE49-F238E27FC236}">
+                <a16:creationId xmlns:a16="http://schemas.microsoft.com/office/drawing/2014/main" id="{AD1037CB-22EA-40C8-B7CB-8E0711FB8F23}"/>
+              </a:ext>
+            </a:extLst>
+          </p:cNvPr>
+          <p:cNvSpPr/>
+          <p:nvPr/>
+        </p:nvSpPr>
+        <p:spPr>
+          <a:xfrm>
+            <a:off x="6422706" y="2490651"/>
+            <a:ext cx="2286000" cy="2286000"/>
+          </a:xfrm>
+          <a:prstGeom prst="rect">
+            <a:avLst/>
+          </a:prstGeom>
+          <a:solidFill>
+            <a:schemeClr val="bg1"/>
+          </a:solidFill>
+          <a:ln w="25400">
+            <a:solidFill>
+              <a:schemeClr val="tx1"/>
+            </a:solidFill>
+          </a:ln>
+        </p:spPr>
+        <p:style>
+          <a:lnRef idx="2">
+            <a:schemeClr val="accent1">
+              <a:shade val="50000"/>
+            </a:schemeClr>
+          </a:lnRef>
+          <a:fillRef idx="1">
+            <a:schemeClr val="accent1"/>
+          </a:fillRef>
+          <a:effectRef idx="0">
+            <a:schemeClr val="accent1"/>
+          </a:effectRef>
+          <a:fontRef idx="minor">
+            <a:schemeClr val="lt1"/>
+          </a:fontRef>
+        </p:style>
+        <p:txBody>
+          <a:bodyPr rtlCol="0" anchor="ctr"/>
+          <a:lstStyle/>
+          <a:p>
+            <a:pPr algn="ctr"/>
+            <a:endParaRPr lang="en-US"/>
+          </a:p>
+        </p:txBody>
+      </p:sp>
+      <p:sp>
+        <p:nvSpPr>
+          <p:cNvPr id="5" name="Oval 4">
+            <a:extLst>
+              <a:ext uri="{FF2B5EF4-FFF2-40B4-BE49-F238E27FC236}">
+                <a16:creationId xmlns:a16="http://schemas.microsoft.com/office/drawing/2014/main" id="{8F1FA083-4C3F-472A-98EB-D08D72015746}"/>
+              </a:ext>
+            </a:extLst>
+          </p:cNvPr>
+          <p:cNvSpPr/>
+          <p:nvPr/>
+        </p:nvSpPr>
+        <p:spPr>
+          <a:xfrm>
+            <a:off x="2351314" y="4017699"/>
+            <a:ext cx="758952" cy="758952"/>
+          </a:xfrm>
+          <a:prstGeom prst="ellipse">
+            <a:avLst/>
+          </a:prstGeom>
+        </p:spPr>
+        <p:style>
+          <a:lnRef idx="2">
+            <a:schemeClr val="accent1">
+              <a:shade val="50000"/>
+            </a:schemeClr>
+          </a:lnRef>
+          <a:fillRef idx="1">
+            <a:schemeClr val="accent1"/>
+          </a:fillRef>
+          <a:effectRef idx="0">
+            <a:schemeClr val="accent1"/>
+          </a:effectRef>
+          <a:fontRef idx="minor">
+            <a:schemeClr val="lt1"/>
+          </a:fontRef>
+        </p:style>
+        <p:txBody>
+          <a:bodyPr rtlCol="0" anchor="ctr"/>
+          <a:lstStyle/>
+          <a:p>
+            <a:pPr algn="ctr"/>
+            <a:endParaRPr lang="en-US"/>
+          </a:p>
+        </p:txBody>
+      </p:sp>
+      <p:sp>
+        <p:nvSpPr>
+          <p:cNvPr id="13" name="Oval 12">
+            <a:extLst>
+              <a:ext uri="{FF2B5EF4-FFF2-40B4-BE49-F238E27FC236}">
+                <a16:creationId xmlns:a16="http://schemas.microsoft.com/office/drawing/2014/main" id="{A5760AFB-11D7-463A-AF50-7EDC6AF0DE94}"/>
+              </a:ext>
+            </a:extLst>
+          </p:cNvPr>
+          <p:cNvSpPr/>
+          <p:nvPr/>
+        </p:nvSpPr>
+        <p:spPr>
+          <a:xfrm>
+            <a:off x="3110266" y="4017699"/>
+            <a:ext cx="758952" cy="758952"/>
+          </a:xfrm>
+          <a:prstGeom prst="ellipse">
+            <a:avLst/>
+          </a:prstGeom>
+        </p:spPr>
+        <p:style>
+          <a:lnRef idx="2">
+            <a:schemeClr val="accent1">
+              <a:shade val="50000"/>
+            </a:schemeClr>
+          </a:lnRef>
+          <a:fillRef idx="1">
+            <a:schemeClr val="accent1"/>
+          </a:fillRef>
+          <a:effectRef idx="0">
+            <a:schemeClr val="accent1"/>
+          </a:effectRef>
+          <a:fontRef idx="minor">
+            <a:schemeClr val="lt1"/>
+          </a:fontRef>
+        </p:style>
+        <p:txBody>
+          <a:bodyPr rtlCol="0" anchor="ctr"/>
+          <a:lstStyle/>
+          <a:p>
+            <a:pPr algn="ctr"/>
+            <a:endParaRPr lang="en-US"/>
+          </a:p>
+        </p:txBody>
+      </p:sp>
+      <p:sp>
+        <p:nvSpPr>
+          <p:cNvPr id="15" name="Oval 14">
+            <a:extLst>
+              <a:ext uri="{FF2B5EF4-FFF2-40B4-BE49-F238E27FC236}">
+                <a16:creationId xmlns:a16="http://schemas.microsoft.com/office/drawing/2014/main" id="{23B6E3FF-A5AE-422F-926A-A274DC9D8BAE}"/>
+              </a:ext>
+            </a:extLst>
+          </p:cNvPr>
+          <p:cNvSpPr/>
+          <p:nvPr/>
+        </p:nvSpPr>
+        <p:spPr>
+          <a:xfrm>
+            <a:off x="2351314" y="3258747"/>
+            <a:ext cx="758952" cy="758952"/>
+          </a:xfrm>
+          <a:prstGeom prst="ellipse">
+            <a:avLst/>
+          </a:prstGeom>
+        </p:spPr>
+        <p:style>
+          <a:lnRef idx="2">
+            <a:schemeClr val="accent1">
+              <a:shade val="50000"/>
+            </a:schemeClr>
+          </a:lnRef>
+          <a:fillRef idx="1">
+            <a:schemeClr val="accent1"/>
+          </a:fillRef>
+          <a:effectRef idx="0">
+            <a:schemeClr val="accent1"/>
+          </a:effectRef>
+          <a:fontRef idx="minor">
+            <a:schemeClr val="lt1"/>
+          </a:fontRef>
+        </p:style>
+        <p:txBody>
+          <a:bodyPr rtlCol="0" anchor="ctr"/>
+          <a:lstStyle/>
+          <a:p>
+            <a:pPr algn="ctr"/>
+            <a:endParaRPr lang="en-US"/>
+          </a:p>
+        </p:txBody>
+      </p:sp>
+      <p:sp>
+        <p:nvSpPr>
+          <p:cNvPr id="16" name="Oval 15">
+            <a:extLst>
+              <a:ext uri="{FF2B5EF4-FFF2-40B4-BE49-F238E27FC236}">
+                <a16:creationId xmlns:a16="http://schemas.microsoft.com/office/drawing/2014/main" id="{60016534-9132-43D6-9E8A-185578ADD35D}"/>
+              </a:ext>
+            </a:extLst>
+          </p:cNvPr>
+          <p:cNvSpPr/>
+          <p:nvPr/>
+        </p:nvSpPr>
+        <p:spPr>
+          <a:xfrm>
+            <a:off x="3110266" y="3258747"/>
+            <a:ext cx="758952" cy="758952"/>
+          </a:xfrm>
+          <a:prstGeom prst="ellipse">
+            <a:avLst/>
+          </a:prstGeom>
+        </p:spPr>
+        <p:style>
+          <a:lnRef idx="2">
+            <a:schemeClr val="accent1">
+              <a:shade val="50000"/>
+            </a:schemeClr>
+          </a:lnRef>
+          <a:fillRef idx="1">
+            <a:schemeClr val="accent1"/>
+          </a:fillRef>
+          <a:effectRef idx="0">
+            <a:schemeClr val="accent1"/>
+          </a:effectRef>
+          <a:fontRef idx="minor">
+            <a:schemeClr val="lt1"/>
+          </a:fontRef>
+        </p:style>
+        <p:txBody>
+          <a:bodyPr rtlCol="0" anchor="ctr"/>
+          <a:lstStyle/>
+          <a:p>
+            <a:pPr algn="ctr"/>
+            <a:endParaRPr lang="en-US"/>
+          </a:p>
+        </p:txBody>
+      </p:sp>
+      <p:sp>
+        <p:nvSpPr>
+          <p:cNvPr id="17" name="Oval 16">
+            <a:extLst>
+              <a:ext uri="{FF2B5EF4-FFF2-40B4-BE49-F238E27FC236}">
+                <a16:creationId xmlns:a16="http://schemas.microsoft.com/office/drawing/2014/main" id="{534951F9-5CCD-4BD6-8770-1FEC68DAE706}"/>
+              </a:ext>
+            </a:extLst>
+          </p:cNvPr>
+          <p:cNvSpPr/>
+          <p:nvPr/>
+        </p:nvSpPr>
+        <p:spPr>
+          <a:xfrm>
+            <a:off x="2351314" y="2490651"/>
+            <a:ext cx="758952" cy="758952"/>
+          </a:xfrm>
+          <a:prstGeom prst="ellipse">
+            <a:avLst/>
+          </a:prstGeom>
+        </p:spPr>
+        <p:style>
+          <a:lnRef idx="2">
+            <a:schemeClr val="accent1">
+              <a:shade val="50000"/>
+            </a:schemeClr>
+          </a:lnRef>
+          <a:fillRef idx="1">
+            <a:schemeClr val="accent1"/>
+          </a:fillRef>
+          <a:effectRef idx="0">
+            <a:schemeClr val="accent1"/>
+          </a:effectRef>
+          <a:fontRef idx="minor">
+            <a:schemeClr val="lt1"/>
+          </a:fontRef>
+        </p:style>
+        <p:txBody>
+          <a:bodyPr rtlCol="0" anchor="ctr"/>
+          <a:lstStyle/>
+          <a:p>
+            <a:pPr algn="ctr"/>
+            <a:endParaRPr lang="en-US"/>
+          </a:p>
+        </p:txBody>
+      </p:sp>
+      <p:sp>
+        <p:nvSpPr>
+          <p:cNvPr id="19" name="Oval 18">
+            <a:extLst>
+              <a:ext uri="{FF2B5EF4-FFF2-40B4-BE49-F238E27FC236}">
+                <a16:creationId xmlns:a16="http://schemas.microsoft.com/office/drawing/2014/main" id="{AAF39E55-3546-4C17-87AE-7F8D9BD1791E}"/>
+              </a:ext>
+            </a:extLst>
+          </p:cNvPr>
+          <p:cNvSpPr/>
+          <p:nvPr/>
+        </p:nvSpPr>
+        <p:spPr>
+          <a:xfrm>
+            <a:off x="3110266" y="2490651"/>
+            <a:ext cx="758952" cy="758952"/>
+          </a:xfrm>
+          <a:prstGeom prst="ellipse">
+            <a:avLst/>
+          </a:prstGeom>
+        </p:spPr>
+        <p:style>
+          <a:lnRef idx="2">
+            <a:schemeClr val="accent1">
+              <a:shade val="50000"/>
+            </a:schemeClr>
+          </a:lnRef>
+          <a:fillRef idx="1">
+            <a:schemeClr val="accent1"/>
+          </a:fillRef>
+          <a:effectRef idx="0">
+            <a:schemeClr val="accent1"/>
+          </a:effectRef>
+          <a:fontRef idx="minor">
+            <a:schemeClr val="lt1"/>
+          </a:fontRef>
+        </p:style>
+        <p:txBody>
+          <a:bodyPr rtlCol="0" anchor="ctr"/>
+          <a:lstStyle/>
+          <a:p>
+            <a:pPr algn="ctr"/>
+            <a:endParaRPr lang="en-US"/>
+          </a:p>
+        </p:txBody>
+      </p:sp>
+      <p:sp>
+        <p:nvSpPr>
+          <p:cNvPr id="20" name="Oval 19">
+            <a:extLst>
+              <a:ext uri="{FF2B5EF4-FFF2-40B4-BE49-F238E27FC236}">
+                <a16:creationId xmlns:a16="http://schemas.microsoft.com/office/drawing/2014/main" id="{F6894C62-65E6-4185-BE6E-8EDB271F835A}"/>
+              </a:ext>
+            </a:extLst>
+          </p:cNvPr>
+          <p:cNvSpPr/>
+          <p:nvPr/>
+        </p:nvSpPr>
+        <p:spPr>
+          <a:xfrm>
+            <a:off x="6422706" y="3917115"/>
+            <a:ext cx="859536" cy="859536"/>
+          </a:xfrm>
+          <a:prstGeom prst="ellipse">
+            <a:avLst/>
+          </a:prstGeom>
+        </p:spPr>
+        <p:style>
+          <a:lnRef idx="2">
+            <a:schemeClr val="accent1">
+              <a:shade val="50000"/>
+            </a:schemeClr>
+          </a:lnRef>
+          <a:fillRef idx="1">
+            <a:schemeClr val="accent1"/>
+          </a:fillRef>
+          <a:effectRef idx="0">
+            <a:schemeClr val="accent1"/>
+          </a:effectRef>
+          <a:fontRef idx="minor">
+            <a:schemeClr val="lt1"/>
+          </a:fontRef>
+        </p:style>
+        <p:txBody>
+          <a:bodyPr rtlCol="0" anchor="ctr"/>
+          <a:lstStyle/>
+          <a:p>
+            <a:pPr algn="ctr"/>
+            <a:endParaRPr lang="en-US"/>
+          </a:p>
+        </p:txBody>
+      </p:sp>
+      <p:sp>
+        <p:nvSpPr>
+          <p:cNvPr id="21" name="Oval 20">
+            <a:extLst>
+              <a:ext uri="{FF2B5EF4-FFF2-40B4-BE49-F238E27FC236}">
+                <a16:creationId xmlns:a16="http://schemas.microsoft.com/office/drawing/2014/main" id="{55ECE9E6-DBF5-40AD-A9BC-B3426C08EC65}"/>
+              </a:ext>
+            </a:extLst>
+          </p:cNvPr>
+          <p:cNvSpPr/>
+          <p:nvPr/>
+        </p:nvSpPr>
+        <p:spPr>
+          <a:xfrm>
+            <a:off x="7379340" y="3917115"/>
+            <a:ext cx="859536" cy="859536"/>
+          </a:xfrm>
+          <a:prstGeom prst="ellipse">
+            <a:avLst/>
+          </a:prstGeom>
+        </p:spPr>
+        <p:style>
+          <a:lnRef idx="2">
+            <a:schemeClr val="accent1">
+              <a:shade val="50000"/>
+            </a:schemeClr>
+          </a:lnRef>
+          <a:fillRef idx="1">
+            <a:schemeClr val="accent1"/>
+          </a:fillRef>
+          <a:effectRef idx="0">
+            <a:schemeClr val="accent1"/>
+          </a:effectRef>
+          <a:fontRef idx="minor">
+            <a:schemeClr val="lt1"/>
+          </a:fontRef>
+        </p:style>
+        <p:txBody>
+          <a:bodyPr rtlCol="0" anchor="ctr"/>
+          <a:lstStyle/>
+          <a:p>
+            <a:pPr algn="ctr"/>
+            <a:endParaRPr lang="en-US"/>
+          </a:p>
+        </p:txBody>
+      </p:sp>
+      <p:sp>
+        <p:nvSpPr>
+          <p:cNvPr id="22" name="Oval 21">
+            <a:extLst>
+              <a:ext uri="{FF2B5EF4-FFF2-40B4-BE49-F238E27FC236}">
+                <a16:creationId xmlns:a16="http://schemas.microsoft.com/office/drawing/2014/main" id="{CE32BD51-02B3-4CEA-9552-1C7D1516146A}"/>
+              </a:ext>
+            </a:extLst>
+          </p:cNvPr>
+          <p:cNvSpPr/>
+          <p:nvPr/>
+        </p:nvSpPr>
+        <p:spPr>
+          <a:xfrm>
+            <a:off x="6900801" y="3201270"/>
+            <a:ext cx="859536" cy="859536"/>
+          </a:xfrm>
+          <a:prstGeom prst="ellipse">
+            <a:avLst/>
+          </a:prstGeom>
+        </p:spPr>
+        <p:style>
+          <a:lnRef idx="2">
+            <a:schemeClr val="accent1">
+              <a:shade val="50000"/>
+            </a:schemeClr>
+          </a:lnRef>
+          <a:fillRef idx="1">
+            <a:schemeClr val="accent1"/>
+          </a:fillRef>
+          <a:effectRef idx="0">
+            <a:schemeClr val="accent1"/>
+          </a:effectRef>
+          <a:fontRef idx="minor">
+            <a:schemeClr val="lt1"/>
+          </a:fontRef>
+        </p:style>
+        <p:txBody>
+          <a:bodyPr rtlCol="0" anchor="ctr"/>
+          <a:lstStyle/>
+          <a:p>
+            <a:pPr algn="ctr"/>
+            <a:endParaRPr lang="en-US"/>
+          </a:p>
+        </p:txBody>
+      </p:sp>
+      <p:sp>
+        <p:nvSpPr>
+          <p:cNvPr id="23" name="Oval 22">
+            <a:extLst>
+              <a:ext uri="{FF2B5EF4-FFF2-40B4-BE49-F238E27FC236}">
+                <a16:creationId xmlns:a16="http://schemas.microsoft.com/office/drawing/2014/main" id="{4914011F-6B7C-46C8-934F-0A4C88DFD1B6}"/>
+              </a:ext>
+            </a:extLst>
+          </p:cNvPr>
+          <p:cNvSpPr/>
+          <p:nvPr/>
+        </p:nvSpPr>
+        <p:spPr>
+          <a:xfrm>
+            <a:off x="7849170" y="3208455"/>
+            <a:ext cx="859536" cy="859536"/>
+          </a:xfrm>
+          <a:prstGeom prst="ellipse">
+            <a:avLst/>
+          </a:prstGeom>
+        </p:spPr>
+        <p:style>
+          <a:lnRef idx="2">
+            <a:schemeClr val="accent1">
+              <a:shade val="50000"/>
+            </a:schemeClr>
+          </a:lnRef>
+          <a:fillRef idx="1">
+            <a:schemeClr val="accent1"/>
+          </a:fillRef>
+          <a:effectRef idx="0">
+            <a:schemeClr val="accent1"/>
+          </a:effectRef>
+          <a:fontRef idx="minor">
+            <a:schemeClr val="lt1"/>
+          </a:fontRef>
+        </p:style>
+        <p:txBody>
+          <a:bodyPr rtlCol="0" anchor="ctr"/>
+          <a:lstStyle/>
+          <a:p>
+            <a:pPr algn="ctr"/>
+            <a:endParaRPr lang="en-US"/>
+          </a:p>
+        </p:txBody>
+      </p:sp>
+      <p:sp>
+        <p:nvSpPr>
+          <p:cNvPr id="24" name="Oval 23">
+            <a:extLst>
+              <a:ext uri="{FF2B5EF4-FFF2-40B4-BE49-F238E27FC236}">
+                <a16:creationId xmlns:a16="http://schemas.microsoft.com/office/drawing/2014/main" id="{35F15806-FD1F-4B92-9D49-5A528B55F8FF}"/>
+              </a:ext>
+            </a:extLst>
+          </p:cNvPr>
+          <p:cNvSpPr/>
+          <p:nvPr/>
+        </p:nvSpPr>
+        <p:spPr>
+          <a:xfrm>
+            <a:off x="6422706" y="2485425"/>
+            <a:ext cx="859536" cy="859536"/>
+          </a:xfrm>
+          <a:prstGeom prst="ellipse">
+            <a:avLst/>
+          </a:prstGeom>
+        </p:spPr>
+        <p:style>
+          <a:lnRef idx="2">
+            <a:schemeClr val="accent1">
+              <a:shade val="50000"/>
+            </a:schemeClr>
+          </a:lnRef>
+          <a:fillRef idx="1">
+            <a:schemeClr val="accent1"/>
+          </a:fillRef>
+          <a:effectRef idx="0">
+            <a:schemeClr val="accent1"/>
+          </a:effectRef>
+          <a:fontRef idx="minor">
+            <a:schemeClr val="lt1"/>
+          </a:fontRef>
+        </p:style>
+        <p:txBody>
+          <a:bodyPr rtlCol="0" anchor="ctr"/>
+          <a:lstStyle/>
+          <a:p>
+            <a:pPr algn="ctr"/>
+            <a:endParaRPr lang="en-US"/>
+          </a:p>
+        </p:txBody>
+      </p:sp>
+      <p:sp>
+        <p:nvSpPr>
+          <p:cNvPr id="25" name="Oval 24">
+            <a:extLst>
+              <a:ext uri="{FF2B5EF4-FFF2-40B4-BE49-F238E27FC236}">
+                <a16:creationId xmlns:a16="http://schemas.microsoft.com/office/drawing/2014/main" id="{B6A30D25-B855-4ECC-B032-48156FAED7F7}"/>
+              </a:ext>
+            </a:extLst>
+          </p:cNvPr>
+          <p:cNvSpPr/>
+          <p:nvPr/>
+        </p:nvSpPr>
+        <p:spPr>
+          <a:xfrm>
+            <a:off x="7379340" y="2485425"/>
+            <a:ext cx="859536" cy="859536"/>
+          </a:xfrm>
+          <a:prstGeom prst="ellipse">
+            <a:avLst/>
+          </a:prstGeom>
+        </p:spPr>
+        <p:style>
+          <a:lnRef idx="2">
+            <a:schemeClr val="accent1">
+              <a:shade val="50000"/>
+            </a:schemeClr>
+          </a:lnRef>
+          <a:fillRef idx="1">
+            <a:schemeClr val="accent1"/>
+          </a:fillRef>
+          <a:effectRef idx="0">
+            <a:schemeClr val="accent1"/>
+          </a:effectRef>
+          <a:fontRef idx="minor">
+            <a:schemeClr val="lt1"/>
+          </a:fontRef>
+        </p:style>
+        <p:txBody>
+          <a:bodyPr rtlCol="0" anchor="ctr"/>
+          <a:lstStyle/>
+          <a:p>
+            <a:pPr algn="ctr"/>
+            <a:endParaRPr lang="en-US"/>
+          </a:p>
+        </p:txBody>
+      </p:sp>
+      <p:sp>
+        <p:nvSpPr>
+          <p:cNvPr id="6" name="TextBox 5">
+            <a:extLst>
+              <a:ext uri="{FF2B5EF4-FFF2-40B4-BE49-F238E27FC236}">
+                <a16:creationId xmlns:a16="http://schemas.microsoft.com/office/drawing/2014/main" id="{04D657A9-FD24-4B06-8381-8279C602745B}"/>
+              </a:ext>
+            </a:extLst>
+          </p:cNvPr>
+          <p:cNvSpPr txBox="1"/>
+          <p:nvPr/>
+        </p:nvSpPr>
+        <p:spPr>
+          <a:xfrm>
+            <a:off x="3280390" y="4971461"/>
+            <a:ext cx="418704" cy="369332"/>
+          </a:xfrm>
+          <a:prstGeom prst="rect">
+            <a:avLst/>
+          </a:prstGeom>
+          <a:noFill/>
+        </p:spPr>
+        <p:txBody>
+          <a:bodyPr wrap="none" rtlCol="0">
+            <a:spAutoFit/>
+          </a:bodyPr>
+          <a:lstStyle/>
+          <a:p>
+            <a:r>
+              <a:rPr lang="en-US" dirty="0"/>
+              <a:t>10</a:t>
+            </a:r>
+          </a:p>
+        </p:txBody>
+      </p:sp>
+      <p:sp>
+        <p:nvSpPr>
+          <p:cNvPr id="26" name="TextBox 25">
+            <a:extLst>
+              <a:ext uri="{FF2B5EF4-FFF2-40B4-BE49-F238E27FC236}">
+                <a16:creationId xmlns:a16="http://schemas.microsoft.com/office/drawing/2014/main" id="{64D27237-BFBC-49BE-AF76-68C9B67B23B4}"/>
+              </a:ext>
+            </a:extLst>
+          </p:cNvPr>
+          <p:cNvSpPr txBox="1"/>
+          <p:nvPr/>
+        </p:nvSpPr>
+        <p:spPr>
+          <a:xfrm>
+            <a:off x="1786563" y="3429000"/>
+            <a:ext cx="418704" cy="369332"/>
+          </a:xfrm>
+          <a:prstGeom prst="rect">
+            <a:avLst/>
+          </a:prstGeom>
+          <a:noFill/>
+        </p:spPr>
+        <p:txBody>
+          <a:bodyPr wrap="none" rtlCol="0">
+            <a:spAutoFit/>
+          </a:bodyPr>
+          <a:lstStyle/>
+          <a:p>
+            <a:r>
+              <a:rPr lang="en-US" dirty="0"/>
+              <a:t>10</a:t>
+            </a:r>
+          </a:p>
+        </p:txBody>
+      </p:sp>
+      <p:sp>
+        <p:nvSpPr>
+          <p:cNvPr id="27" name="TextBox 26">
+            <a:extLst>
+              <a:ext uri="{FF2B5EF4-FFF2-40B4-BE49-F238E27FC236}">
+                <a16:creationId xmlns:a16="http://schemas.microsoft.com/office/drawing/2014/main" id="{16027B76-3D26-41A7-9334-19F354227945}"/>
+              </a:ext>
+            </a:extLst>
+          </p:cNvPr>
+          <p:cNvSpPr txBox="1"/>
+          <p:nvPr/>
+        </p:nvSpPr>
+        <p:spPr>
+          <a:xfrm>
+            <a:off x="7341633" y="4887422"/>
+            <a:ext cx="418704" cy="369332"/>
+          </a:xfrm>
+          <a:prstGeom prst="rect">
+            <a:avLst/>
+          </a:prstGeom>
+          <a:noFill/>
+        </p:spPr>
+        <p:txBody>
+          <a:bodyPr wrap="none" rtlCol="0">
+            <a:spAutoFit/>
+          </a:bodyPr>
+          <a:lstStyle/>
+          <a:p>
+            <a:r>
+              <a:rPr lang="en-US" dirty="0"/>
+              <a:t>10</a:t>
+            </a:r>
+          </a:p>
+        </p:txBody>
+      </p:sp>
+      <p:sp>
+        <p:nvSpPr>
+          <p:cNvPr id="28" name="TextBox 27">
+            <a:extLst>
+              <a:ext uri="{FF2B5EF4-FFF2-40B4-BE49-F238E27FC236}">
+                <a16:creationId xmlns:a16="http://schemas.microsoft.com/office/drawing/2014/main" id="{318302F5-B3BB-453A-A13C-D4918A75CF66}"/>
+              </a:ext>
+            </a:extLst>
+          </p:cNvPr>
+          <p:cNvSpPr txBox="1"/>
+          <p:nvPr/>
+        </p:nvSpPr>
+        <p:spPr>
+          <a:xfrm>
+            <a:off x="5847806" y="3344961"/>
+            <a:ext cx="418704" cy="369332"/>
+          </a:xfrm>
+          <a:prstGeom prst="rect">
+            <a:avLst/>
+          </a:prstGeom>
+          <a:noFill/>
+        </p:spPr>
+        <p:txBody>
+          <a:bodyPr wrap="none" rtlCol="0">
+            <a:spAutoFit/>
+          </a:bodyPr>
+          <a:lstStyle/>
+          <a:p>
+            <a:r>
+              <a:rPr lang="en-US" dirty="0"/>
+              <a:t>10</a:t>
+            </a:r>
+          </a:p>
+        </p:txBody>
+      </p:sp>
+      <p:sp>
+        <p:nvSpPr>
+          <p:cNvPr id="8" name="TextBox 7">
+            <a:extLst>
+              <a:ext uri="{FF2B5EF4-FFF2-40B4-BE49-F238E27FC236}">
+                <a16:creationId xmlns:a16="http://schemas.microsoft.com/office/drawing/2014/main" id="{F42725E7-CE9C-48BD-BAC8-39BA9D68AC6B}"/>
+              </a:ext>
+            </a:extLst>
+          </p:cNvPr>
+          <p:cNvSpPr txBox="1"/>
+          <p:nvPr/>
+        </p:nvSpPr>
+        <p:spPr>
+          <a:xfrm>
+            <a:off x="2785654" y="1792267"/>
+            <a:ext cx="1689373" cy="369332"/>
+          </a:xfrm>
+          <a:prstGeom prst="rect">
+            <a:avLst/>
+          </a:prstGeom>
+          <a:noFill/>
+        </p:spPr>
+        <p:txBody>
+          <a:bodyPr wrap="none" rtlCol="0">
+            <a:spAutoFit/>
+          </a:bodyPr>
+          <a:lstStyle/>
+          <a:p>
+            <a:r>
+              <a:rPr lang="en-US" dirty="0"/>
+              <a:t>Diameter = 3.33</a:t>
+            </a:r>
+          </a:p>
+        </p:txBody>
+      </p:sp>
+      <p:sp>
+        <p:nvSpPr>
+          <p:cNvPr id="29" name="TextBox 28">
+            <a:extLst>
+              <a:ext uri="{FF2B5EF4-FFF2-40B4-BE49-F238E27FC236}">
+                <a16:creationId xmlns:a16="http://schemas.microsoft.com/office/drawing/2014/main" id="{687C28FE-621C-46DB-9BD2-2627BFFB14C0}"/>
+              </a:ext>
+            </a:extLst>
+          </p:cNvPr>
+          <p:cNvSpPr txBox="1"/>
+          <p:nvPr/>
+        </p:nvSpPr>
+        <p:spPr>
+          <a:xfrm>
+            <a:off x="6964421" y="1792267"/>
+            <a:ext cx="1689373" cy="369332"/>
+          </a:xfrm>
+          <a:prstGeom prst="rect">
+            <a:avLst/>
+          </a:prstGeom>
+          <a:noFill/>
+        </p:spPr>
+        <p:txBody>
+          <a:bodyPr wrap="none" rtlCol="0">
+            <a:spAutoFit/>
+          </a:bodyPr>
+          <a:lstStyle/>
+          <a:p>
+            <a:r>
+              <a:rPr lang="en-US" dirty="0"/>
+              <a:t>Diameter = 3.75</a:t>
+            </a:r>
+          </a:p>
+        </p:txBody>
+      </p:sp>
+      <p:cxnSp>
+        <p:nvCxnSpPr>
+          <p:cNvPr id="10" name="Straight Arrow Connector 9">
+            <a:extLst>
+              <a:ext uri="{FF2B5EF4-FFF2-40B4-BE49-F238E27FC236}">
+                <a16:creationId xmlns:a16="http://schemas.microsoft.com/office/drawing/2014/main" id="{65644755-E30C-4C20-98D1-AC799C227766}"/>
+              </a:ext>
+            </a:extLst>
+          </p:cNvPr>
+          <p:cNvCxnSpPr>
+            <a:cxnSpLocks/>
+            <a:stCxn id="8" idx="2"/>
+          </p:cNvCxnSpPr>
+          <p:nvPr/>
+        </p:nvCxnSpPr>
+        <p:spPr>
+          <a:xfrm flipH="1">
+            <a:off x="3561806" y="2161599"/>
+            <a:ext cx="68535" cy="520641"/>
+          </a:xfrm>
+          <a:prstGeom prst="straightConnector1">
+            <a:avLst/>
+          </a:prstGeom>
+          <a:ln w="19050">
+            <a:solidFill>
+              <a:schemeClr val="tx1"/>
+            </a:solidFill>
+            <a:tailEnd type="triangle"/>
+          </a:ln>
+        </p:spPr>
+        <p:style>
+          <a:lnRef idx="1">
+            <a:schemeClr val="accent1"/>
+          </a:lnRef>
+          <a:fillRef idx="0">
+            <a:schemeClr val="accent1"/>
+          </a:fillRef>
+          <a:effectRef idx="0">
+            <a:schemeClr val="accent1"/>
+          </a:effectRef>
+          <a:fontRef idx="minor">
+            <a:schemeClr val="tx1"/>
+          </a:fontRef>
+        </p:style>
+      </p:cxnSp>
+      <p:cxnSp>
+        <p:nvCxnSpPr>
+          <p:cNvPr id="33" name="Straight Arrow Connector 32">
+            <a:extLst>
+              <a:ext uri="{FF2B5EF4-FFF2-40B4-BE49-F238E27FC236}">
+                <a16:creationId xmlns:a16="http://schemas.microsoft.com/office/drawing/2014/main" id="{CB9B72A9-DA3E-4B3D-981C-2849379D57A2}"/>
+              </a:ext>
+            </a:extLst>
+          </p:cNvPr>
+          <p:cNvCxnSpPr>
+            <a:cxnSpLocks/>
+            <a:stCxn id="29" idx="2"/>
+          </p:cNvCxnSpPr>
+          <p:nvPr/>
+        </p:nvCxnSpPr>
+        <p:spPr>
+          <a:xfrm>
+            <a:off x="7809108" y="2161599"/>
+            <a:ext cx="0" cy="647765"/>
+          </a:xfrm>
+          <a:prstGeom prst="straightConnector1">
+            <a:avLst/>
+          </a:prstGeom>
+          <a:ln w="19050">
+            <a:solidFill>
+              <a:schemeClr val="tx1"/>
+            </a:solidFill>
+            <a:tailEnd type="triangle"/>
+          </a:ln>
+        </p:spPr>
+        <p:style>
+          <a:lnRef idx="1">
+            <a:schemeClr val="accent1"/>
+          </a:lnRef>
+          <a:fillRef idx="0">
+            <a:schemeClr val="accent1"/>
+          </a:fillRef>
+          <a:effectRef idx="0">
+            <a:schemeClr val="accent1"/>
+          </a:effectRef>
+          <a:fontRef idx="minor">
+            <a:schemeClr val="tx1"/>
+          </a:fontRef>
+        </p:style>
+      </p:cxnSp>
+      <p:sp>
+        <p:nvSpPr>
+          <p:cNvPr id="34" name="Arrow: Right 33">
+            <a:extLst>
+              <a:ext uri="{FF2B5EF4-FFF2-40B4-BE49-F238E27FC236}">
+                <a16:creationId xmlns:a16="http://schemas.microsoft.com/office/drawing/2014/main" id="{8749FA95-7D21-4921-9B74-25F2FA363381}"/>
+              </a:ext>
+            </a:extLst>
+          </p:cNvPr>
+          <p:cNvSpPr/>
+          <p:nvPr/>
+        </p:nvSpPr>
+        <p:spPr>
+          <a:xfrm>
+            <a:off x="5032862" y="3050700"/>
+            <a:ext cx="533700" cy="1039804"/>
+          </a:xfrm>
+          <a:prstGeom prst="rightArrow">
+            <a:avLst/>
+          </a:prstGeom>
+          <a:solidFill>
+            <a:schemeClr val="accent6">
+              <a:lumMod val="60000"/>
+              <a:lumOff val="40000"/>
+            </a:schemeClr>
+          </a:solidFill>
+        </p:spPr>
+        <p:style>
+          <a:lnRef idx="2">
+            <a:schemeClr val="accent1">
+              <a:shade val="50000"/>
+            </a:schemeClr>
+          </a:lnRef>
+          <a:fillRef idx="1">
+            <a:schemeClr val="accent1"/>
+          </a:fillRef>
+          <a:effectRef idx="0">
+            <a:schemeClr val="accent1"/>
+          </a:effectRef>
+          <a:fontRef idx="minor">
+            <a:schemeClr val="lt1"/>
+          </a:fontRef>
+        </p:style>
+        <p:txBody>
+          <a:bodyPr rtlCol="0" anchor="ctr"/>
+          <a:lstStyle/>
+          <a:p>
+            <a:pPr algn="ctr"/>
+            <a:endParaRPr lang="en-US"/>
+          </a:p>
+        </p:txBody>
+      </p:sp>
+    </p:spTree>
+    <p:extLst>
+      <p:ext uri="{BB962C8B-B14F-4D97-AF65-F5344CB8AC3E}">
+        <p14:creationId xmlns:p14="http://schemas.microsoft.com/office/powerpoint/2010/main" val="3532337180"/>
       </p:ext>
     </p:extLst>
   </p:cSld>

--- a/data/image/image development.pptx
+++ b/data/image/image development.pptx
@@ -9,6 +9,7 @@
     <p:sldId id="256" r:id="rId3"/>
     <p:sldId id="257" r:id="rId4"/>
     <p:sldId id="259" r:id="rId5"/>
+    <p:sldId id="260" r:id="rId6"/>
   </p:sldIdLst>
   <p:sldSz cx="12192000" cy="6858000"/>
   <p:notesSz cx="6858000" cy="9144000"/>
@@ -262,7 +263,7 @@
           <a:p>
             <a:fld id="{DEB065CA-2BF4-44D6-BE19-9CF89952384D}" type="datetimeFigureOut">
               <a:rPr lang="en-US" smtClean="0"/>
-              <a:t>5/18/2022</a:t>
+              <a:t>5/20/2022</a:t>
             </a:fld>
             <a:endParaRPr lang="en-US"/>
           </a:p>
@@ -460,7 +461,7 @@
           <a:p>
             <a:fld id="{DEB065CA-2BF4-44D6-BE19-9CF89952384D}" type="datetimeFigureOut">
               <a:rPr lang="en-US" smtClean="0"/>
-              <a:t>5/18/2022</a:t>
+              <a:t>5/20/2022</a:t>
             </a:fld>
             <a:endParaRPr lang="en-US"/>
           </a:p>
@@ -668,7 +669,7 @@
           <a:p>
             <a:fld id="{DEB065CA-2BF4-44D6-BE19-9CF89952384D}" type="datetimeFigureOut">
               <a:rPr lang="en-US" smtClean="0"/>
-              <a:t>5/18/2022</a:t>
+              <a:t>5/20/2022</a:t>
             </a:fld>
             <a:endParaRPr lang="en-US"/>
           </a:p>
@@ -866,7 +867,7 @@
           <a:p>
             <a:fld id="{DEB065CA-2BF4-44D6-BE19-9CF89952384D}" type="datetimeFigureOut">
               <a:rPr lang="en-US" smtClean="0"/>
-              <a:t>5/18/2022</a:t>
+              <a:t>5/20/2022</a:t>
             </a:fld>
             <a:endParaRPr lang="en-US"/>
           </a:p>
@@ -1141,7 +1142,7 @@
           <a:p>
             <a:fld id="{DEB065CA-2BF4-44D6-BE19-9CF89952384D}" type="datetimeFigureOut">
               <a:rPr lang="en-US" smtClean="0"/>
-              <a:t>5/18/2022</a:t>
+              <a:t>5/20/2022</a:t>
             </a:fld>
             <a:endParaRPr lang="en-US"/>
           </a:p>
@@ -1406,7 +1407,7 @@
           <a:p>
             <a:fld id="{DEB065CA-2BF4-44D6-BE19-9CF89952384D}" type="datetimeFigureOut">
               <a:rPr lang="en-US" smtClean="0"/>
-              <a:t>5/18/2022</a:t>
+              <a:t>5/20/2022</a:t>
             </a:fld>
             <a:endParaRPr lang="en-US"/>
           </a:p>
@@ -1818,7 +1819,7 @@
           <a:p>
             <a:fld id="{DEB065CA-2BF4-44D6-BE19-9CF89952384D}" type="datetimeFigureOut">
               <a:rPr lang="en-US" smtClean="0"/>
-              <a:t>5/18/2022</a:t>
+              <a:t>5/20/2022</a:t>
             </a:fld>
             <a:endParaRPr lang="en-US"/>
           </a:p>
@@ -1959,7 +1960,7 @@
           <a:p>
             <a:fld id="{DEB065CA-2BF4-44D6-BE19-9CF89952384D}" type="datetimeFigureOut">
               <a:rPr lang="en-US" smtClean="0"/>
-              <a:t>5/18/2022</a:t>
+              <a:t>5/20/2022</a:t>
             </a:fld>
             <a:endParaRPr lang="en-US"/>
           </a:p>
@@ -2072,7 +2073,7 @@
           <a:p>
             <a:fld id="{DEB065CA-2BF4-44D6-BE19-9CF89952384D}" type="datetimeFigureOut">
               <a:rPr lang="en-US" smtClean="0"/>
-              <a:t>5/18/2022</a:t>
+              <a:t>5/20/2022</a:t>
             </a:fld>
             <a:endParaRPr lang="en-US"/>
           </a:p>
@@ -2383,7 +2384,7 @@
           <a:p>
             <a:fld id="{DEB065CA-2BF4-44D6-BE19-9CF89952384D}" type="datetimeFigureOut">
               <a:rPr lang="en-US" smtClean="0"/>
-              <a:t>5/18/2022</a:t>
+              <a:t>5/20/2022</a:t>
             </a:fld>
             <a:endParaRPr lang="en-US"/>
           </a:p>
@@ -2671,7 +2672,7 @@
           <a:p>
             <a:fld id="{DEB065CA-2BF4-44D6-BE19-9CF89952384D}" type="datetimeFigureOut">
               <a:rPr lang="en-US" smtClean="0"/>
-              <a:t>5/18/2022</a:t>
+              <a:t>5/20/2022</a:t>
             </a:fld>
             <a:endParaRPr lang="en-US"/>
           </a:p>
@@ -2912,7 +2913,7 @@
           <a:p>
             <a:fld id="{DEB065CA-2BF4-44D6-BE19-9CF89952384D}" type="datetimeFigureOut">
               <a:rPr lang="en-US" smtClean="0"/>
-              <a:t>5/18/2022</a:t>
+              <a:t>5/20/2022</a:t>
             </a:fld>
             <a:endParaRPr lang="en-US"/>
           </a:p>
@@ -7418,6 +7419,644 @@
 </p:sld>
 </file>
 
+<file path=ppt/slides/slide5.xml><?xml version="1.0" encoding="utf-8"?>
+<p:sld xmlns:a="http://schemas.openxmlformats.org/drawingml/2006/main" xmlns:r="http://schemas.openxmlformats.org/officeDocument/2006/relationships" xmlns:p="http://schemas.openxmlformats.org/presentationml/2006/main">
+  <p:cSld>
+    <p:spTree>
+      <p:nvGrpSpPr>
+        <p:cNvPr id="1" name=""/>
+        <p:cNvGrpSpPr/>
+        <p:nvPr/>
+      </p:nvGrpSpPr>
+      <p:grpSpPr>
+        <a:xfrm>
+          <a:off x="0" y="0"/>
+          <a:ext cx="0" cy="0"/>
+          <a:chOff x="0" y="0"/>
+          <a:chExt cx="0" cy="0"/>
+        </a:xfrm>
+      </p:grpSpPr>
+      <p:sp>
+        <p:nvSpPr>
+          <p:cNvPr id="3" name="Rectangle: Rounded Corners 2">
+            <a:extLst>
+              <a:ext uri="{FF2B5EF4-FFF2-40B4-BE49-F238E27FC236}">
+                <a16:creationId xmlns:a16="http://schemas.microsoft.com/office/drawing/2014/main" id="{8D356FDF-E3CC-4922-A159-B0361DB01538}"/>
+              </a:ext>
+            </a:extLst>
+          </p:cNvPr>
+          <p:cNvSpPr/>
+          <p:nvPr/>
+        </p:nvSpPr>
+        <p:spPr>
+          <a:xfrm>
+            <a:off x="334466" y="1660962"/>
+            <a:ext cx="1553982" cy="1768038"/>
+          </a:xfrm>
+          <a:prstGeom prst="roundRect">
+            <a:avLst/>
+          </a:prstGeom>
+          <a:solidFill>
+            <a:srgbClr val="9900CC"/>
+          </a:solidFill>
+          <a:ln>
+            <a:noFill/>
+          </a:ln>
+        </p:spPr>
+        <p:style>
+          <a:lnRef idx="2">
+            <a:schemeClr val="accent1">
+              <a:shade val="50000"/>
+            </a:schemeClr>
+          </a:lnRef>
+          <a:fillRef idx="1">
+            <a:schemeClr val="accent1"/>
+          </a:fillRef>
+          <a:effectRef idx="0">
+            <a:schemeClr val="accent1"/>
+          </a:effectRef>
+          <a:fontRef idx="minor">
+            <a:schemeClr val="lt1"/>
+          </a:fontRef>
+        </p:style>
+        <p:txBody>
+          <a:bodyPr rtlCol="0" anchor="ctr"/>
+          <a:lstStyle/>
+          <a:p>
+            <a:pPr algn="ctr"/>
+            <a:r>
+              <a:rPr lang="en-US" dirty="0"/>
+              <a:t>Data Collection</a:t>
+            </a:r>
+          </a:p>
+        </p:txBody>
+      </p:sp>
+      <p:sp>
+        <p:nvSpPr>
+          <p:cNvPr id="30" name="Rectangle: Rounded Corners 29">
+            <a:extLst>
+              <a:ext uri="{FF2B5EF4-FFF2-40B4-BE49-F238E27FC236}">
+                <a16:creationId xmlns:a16="http://schemas.microsoft.com/office/drawing/2014/main" id="{19D68C55-F02F-4111-A16D-80D2BBD376DE}"/>
+              </a:ext>
+            </a:extLst>
+          </p:cNvPr>
+          <p:cNvSpPr/>
+          <p:nvPr/>
+        </p:nvSpPr>
+        <p:spPr>
+          <a:xfrm>
+            <a:off x="4044408" y="2620091"/>
+            <a:ext cx="1553982" cy="1768038"/>
+          </a:xfrm>
+          <a:prstGeom prst="roundRect">
+            <a:avLst/>
+          </a:prstGeom>
+          <a:solidFill>
+            <a:srgbClr val="9900CC"/>
+          </a:solidFill>
+          <a:ln>
+            <a:noFill/>
+          </a:ln>
+        </p:spPr>
+        <p:style>
+          <a:lnRef idx="2">
+            <a:schemeClr val="accent1">
+              <a:shade val="50000"/>
+            </a:schemeClr>
+          </a:lnRef>
+          <a:fillRef idx="1">
+            <a:schemeClr val="accent1"/>
+          </a:fillRef>
+          <a:effectRef idx="0">
+            <a:schemeClr val="accent1"/>
+          </a:effectRef>
+          <a:fontRef idx="minor">
+            <a:schemeClr val="lt1"/>
+          </a:fontRef>
+        </p:style>
+        <p:txBody>
+          <a:bodyPr rtlCol="0" anchor="ctr"/>
+          <a:lstStyle/>
+          <a:p>
+            <a:pPr algn="ctr"/>
+            <a:r>
+              <a:rPr lang="en-US" dirty="0"/>
+              <a:t>Segment Probability Data</a:t>
+            </a:r>
+          </a:p>
+        </p:txBody>
+      </p:sp>
+      <p:sp>
+        <p:nvSpPr>
+          <p:cNvPr id="31" name="Rectangle: Rounded Corners 30">
+            <a:extLst>
+              <a:ext uri="{FF2B5EF4-FFF2-40B4-BE49-F238E27FC236}">
+                <a16:creationId xmlns:a16="http://schemas.microsoft.com/office/drawing/2014/main" id="{67607AEF-1147-4BB2-9DAB-7EFF81828582}"/>
+              </a:ext>
+            </a:extLst>
+          </p:cNvPr>
+          <p:cNvSpPr/>
+          <p:nvPr/>
+        </p:nvSpPr>
+        <p:spPr>
+          <a:xfrm>
+            <a:off x="4044408" y="754872"/>
+            <a:ext cx="1553982" cy="1768038"/>
+          </a:xfrm>
+          <a:prstGeom prst="roundRect">
+            <a:avLst/>
+          </a:prstGeom>
+          <a:solidFill>
+            <a:srgbClr val="9900CC"/>
+          </a:solidFill>
+          <a:ln>
+            <a:noFill/>
+          </a:ln>
+        </p:spPr>
+        <p:style>
+          <a:lnRef idx="2">
+            <a:schemeClr val="accent1">
+              <a:shade val="50000"/>
+            </a:schemeClr>
+          </a:lnRef>
+          <a:fillRef idx="1">
+            <a:schemeClr val="accent1"/>
+          </a:fillRef>
+          <a:effectRef idx="0">
+            <a:schemeClr val="accent1"/>
+          </a:effectRef>
+          <a:fontRef idx="minor">
+            <a:schemeClr val="lt1"/>
+          </a:fontRef>
+        </p:style>
+        <p:txBody>
+          <a:bodyPr rtlCol="0" anchor="ctr"/>
+          <a:lstStyle/>
+          <a:p>
+            <a:pPr algn="ctr"/>
+            <a:r>
+              <a:rPr lang="en-US" dirty="0"/>
+              <a:t>Customer Base Data</a:t>
+            </a:r>
+          </a:p>
+        </p:txBody>
+      </p:sp>
+      <p:sp>
+        <p:nvSpPr>
+          <p:cNvPr id="32" name="Rectangle: Rounded Corners 31">
+            <a:extLst>
+              <a:ext uri="{FF2B5EF4-FFF2-40B4-BE49-F238E27FC236}">
+                <a16:creationId xmlns:a16="http://schemas.microsoft.com/office/drawing/2014/main" id="{C49B5672-2C49-4CE5-A5CD-4473B8401400}"/>
+              </a:ext>
+            </a:extLst>
+          </p:cNvPr>
+          <p:cNvSpPr/>
+          <p:nvPr/>
+        </p:nvSpPr>
+        <p:spPr>
+          <a:xfrm>
+            <a:off x="7198250" y="1660962"/>
+            <a:ext cx="1553982" cy="1768038"/>
+          </a:xfrm>
+          <a:prstGeom prst="roundRect">
+            <a:avLst/>
+          </a:prstGeom>
+          <a:solidFill>
+            <a:srgbClr val="9900CC"/>
+          </a:solidFill>
+          <a:ln>
+            <a:noFill/>
+          </a:ln>
+        </p:spPr>
+        <p:style>
+          <a:lnRef idx="2">
+            <a:schemeClr val="accent1">
+              <a:shade val="50000"/>
+            </a:schemeClr>
+          </a:lnRef>
+          <a:fillRef idx="1">
+            <a:schemeClr val="accent1"/>
+          </a:fillRef>
+          <a:effectRef idx="0">
+            <a:schemeClr val="accent1"/>
+          </a:effectRef>
+          <a:fontRef idx="minor">
+            <a:schemeClr val="lt1"/>
+          </a:fontRef>
+        </p:style>
+        <p:txBody>
+          <a:bodyPr rtlCol="0" anchor="ctr"/>
+          <a:lstStyle/>
+          <a:p>
+            <a:pPr algn="ctr"/>
+            <a:r>
+              <a:rPr lang="en-US" dirty="0"/>
+              <a:t>Optimized Coupon Plan</a:t>
+            </a:r>
+          </a:p>
+        </p:txBody>
+      </p:sp>
+      <p:sp>
+        <p:nvSpPr>
+          <p:cNvPr id="35" name="Rectangle: Rounded Corners 34">
+            <a:extLst>
+              <a:ext uri="{FF2B5EF4-FFF2-40B4-BE49-F238E27FC236}">
+                <a16:creationId xmlns:a16="http://schemas.microsoft.com/office/drawing/2014/main" id="{E5104621-AB16-4B92-B4C1-81493E034D92}"/>
+              </a:ext>
+            </a:extLst>
+          </p:cNvPr>
+          <p:cNvSpPr/>
+          <p:nvPr/>
+        </p:nvSpPr>
+        <p:spPr>
+          <a:xfrm>
+            <a:off x="10303552" y="1660962"/>
+            <a:ext cx="1553982" cy="1768038"/>
+          </a:xfrm>
+          <a:prstGeom prst="roundRect">
+            <a:avLst/>
+          </a:prstGeom>
+          <a:solidFill>
+            <a:srgbClr val="9900CC"/>
+          </a:solidFill>
+          <a:ln>
+            <a:noFill/>
+          </a:ln>
+        </p:spPr>
+        <p:style>
+          <a:lnRef idx="2">
+            <a:schemeClr val="accent1">
+              <a:shade val="50000"/>
+            </a:schemeClr>
+          </a:lnRef>
+          <a:fillRef idx="1">
+            <a:schemeClr val="accent1"/>
+          </a:fillRef>
+          <a:effectRef idx="0">
+            <a:schemeClr val="accent1"/>
+          </a:effectRef>
+          <a:fontRef idx="minor">
+            <a:schemeClr val="lt1"/>
+          </a:fontRef>
+        </p:style>
+        <p:txBody>
+          <a:bodyPr rtlCol="0" anchor="ctr"/>
+          <a:lstStyle/>
+          <a:p>
+            <a:pPr algn="ctr"/>
+            <a:r>
+              <a:rPr lang="en-US" dirty="0"/>
+              <a:t>Real-world Coupon Response Outcome</a:t>
+            </a:r>
+          </a:p>
+        </p:txBody>
+      </p:sp>
+      <p:sp>
+        <p:nvSpPr>
+          <p:cNvPr id="36" name="Arrow: Right 35">
+            <a:extLst>
+              <a:ext uri="{FF2B5EF4-FFF2-40B4-BE49-F238E27FC236}">
+                <a16:creationId xmlns:a16="http://schemas.microsoft.com/office/drawing/2014/main" id="{95387F29-E4EE-4DA6-AC8F-83BC69AE0B9A}"/>
+              </a:ext>
+            </a:extLst>
+          </p:cNvPr>
+          <p:cNvSpPr/>
+          <p:nvPr/>
+        </p:nvSpPr>
+        <p:spPr>
+          <a:xfrm>
+            <a:off x="2164213" y="2065034"/>
+            <a:ext cx="1625445" cy="1039804"/>
+          </a:xfrm>
+          <a:prstGeom prst="rightArrow">
+            <a:avLst/>
+          </a:prstGeom>
+          <a:solidFill>
+            <a:schemeClr val="accent6">
+              <a:lumMod val="20000"/>
+              <a:lumOff val="80000"/>
+            </a:schemeClr>
+          </a:solidFill>
+        </p:spPr>
+        <p:style>
+          <a:lnRef idx="2">
+            <a:schemeClr val="accent1">
+              <a:shade val="50000"/>
+            </a:schemeClr>
+          </a:lnRef>
+          <a:fillRef idx="1">
+            <a:schemeClr val="accent1"/>
+          </a:fillRef>
+          <a:effectRef idx="0">
+            <a:schemeClr val="accent1"/>
+          </a:effectRef>
+          <a:fontRef idx="minor">
+            <a:schemeClr val="lt1"/>
+          </a:fontRef>
+        </p:style>
+        <p:txBody>
+          <a:bodyPr rtlCol="0" anchor="ctr"/>
+          <a:lstStyle/>
+          <a:p>
+            <a:pPr algn="ctr"/>
+            <a:endParaRPr lang="en-US"/>
+          </a:p>
+        </p:txBody>
+      </p:sp>
+      <p:sp>
+        <p:nvSpPr>
+          <p:cNvPr id="40" name="Arrow: Right 39">
+            <a:extLst>
+              <a:ext uri="{FF2B5EF4-FFF2-40B4-BE49-F238E27FC236}">
+                <a16:creationId xmlns:a16="http://schemas.microsoft.com/office/drawing/2014/main" id="{B370EF62-8786-46EC-9D20-9C4F3A589F16}"/>
+              </a:ext>
+            </a:extLst>
+          </p:cNvPr>
+          <p:cNvSpPr/>
+          <p:nvPr/>
+        </p:nvSpPr>
+        <p:spPr>
+          <a:xfrm>
+            <a:off x="5795790" y="2065034"/>
+            <a:ext cx="1276938" cy="1039804"/>
+          </a:xfrm>
+          <a:prstGeom prst="rightArrow">
+            <a:avLst/>
+          </a:prstGeom>
+          <a:solidFill>
+            <a:schemeClr val="accent6">
+              <a:lumMod val="20000"/>
+              <a:lumOff val="80000"/>
+            </a:schemeClr>
+          </a:solidFill>
+        </p:spPr>
+        <p:style>
+          <a:lnRef idx="2">
+            <a:schemeClr val="accent1">
+              <a:shade val="50000"/>
+            </a:schemeClr>
+          </a:lnRef>
+          <a:fillRef idx="1">
+            <a:schemeClr val="accent1"/>
+          </a:fillRef>
+          <a:effectRef idx="0">
+            <a:schemeClr val="accent1"/>
+          </a:effectRef>
+          <a:fontRef idx="minor">
+            <a:schemeClr val="lt1"/>
+          </a:fontRef>
+        </p:style>
+        <p:txBody>
+          <a:bodyPr rtlCol="0" anchor="ctr"/>
+          <a:lstStyle/>
+          <a:p>
+            <a:pPr algn="ctr"/>
+            <a:endParaRPr lang="en-US"/>
+          </a:p>
+        </p:txBody>
+      </p:sp>
+      <p:sp>
+        <p:nvSpPr>
+          <p:cNvPr id="7" name="TextBox 6">
+            <a:extLst>
+              <a:ext uri="{FF2B5EF4-FFF2-40B4-BE49-F238E27FC236}">
+                <a16:creationId xmlns:a16="http://schemas.microsoft.com/office/drawing/2014/main" id="{FBB10012-93B4-44EB-AE94-70EE04F63FD3}"/>
+              </a:ext>
+            </a:extLst>
+          </p:cNvPr>
+          <p:cNvSpPr txBox="1"/>
+          <p:nvPr/>
+        </p:nvSpPr>
+        <p:spPr>
+          <a:xfrm>
+            <a:off x="2155766" y="1480259"/>
+            <a:ext cx="1539011" cy="553998"/>
+          </a:xfrm>
+          <a:prstGeom prst="rect">
+            <a:avLst/>
+          </a:prstGeom>
+          <a:noFill/>
+        </p:spPr>
+        <p:txBody>
+          <a:bodyPr wrap="none" rtlCol="0">
+            <a:spAutoFit/>
+          </a:bodyPr>
+          <a:lstStyle/>
+          <a:p>
+            <a:pPr algn="ctr"/>
+            <a:r>
+              <a:rPr lang="en-US" sz="1500" dirty="0"/>
+              <a:t>Segmentation</a:t>
+            </a:r>
+          </a:p>
+          <a:p>
+            <a:pPr algn="ctr"/>
+            <a:r>
+              <a:rPr lang="en-US" sz="1500" dirty="0"/>
+              <a:t>Causality analysis</a:t>
+            </a:r>
+          </a:p>
+        </p:txBody>
+      </p:sp>
+      <p:sp>
+        <p:nvSpPr>
+          <p:cNvPr id="41" name="TextBox 40">
+            <a:extLst>
+              <a:ext uri="{FF2B5EF4-FFF2-40B4-BE49-F238E27FC236}">
+                <a16:creationId xmlns:a16="http://schemas.microsoft.com/office/drawing/2014/main" id="{87DCB6D4-1100-419F-91B4-1CC0400FA370}"/>
+              </a:ext>
+            </a:extLst>
+          </p:cNvPr>
+          <p:cNvSpPr txBox="1"/>
+          <p:nvPr/>
+        </p:nvSpPr>
+        <p:spPr>
+          <a:xfrm>
+            <a:off x="5777597" y="1685317"/>
+            <a:ext cx="1191929" cy="323165"/>
+          </a:xfrm>
+          <a:prstGeom prst="rect">
+            <a:avLst/>
+          </a:prstGeom>
+          <a:noFill/>
+        </p:spPr>
+        <p:txBody>
+          <a:bodyPr wrap="none" rtlCol="0">
+            <a:spAutoFit/>
+          </a:bodyPr>
+          <a:lstStyle/>
+          <a:p>
+            <a:pPr algn="ctr"/>
+            <a:r>
+              <a:rPr lang="en-US" sz="1500" dirty="0"/>
+              <a:t>Optimization</a:t>
+            </a:r>
+          </a:p>
+        </p:txBody>
+      </p:sp>
+      <p:sp>
+        <p:nvSpPr>
+          <p:cNvPr id="42" name="Arrow: Right 41">
+            <a:extLst>
+              <a:ext uri="{FF2B5EF4-FFF2-40B4-BE49-F238E27FC236}">
+                <a16:creationId xmlns:a16="http://schemas.microsoft.com/office/drawing/2014/main" id="{492A020C-C44D-4EF7-877A-368D4349F9C9}"/>
+              </a:ext>
+            </a:extLst>
+          </p:cNvPr>
+          <p:cNvSpPr/>
+          <p:nvPr/>
+        </p:nvSpPr>
+        <p:spPr>
+          <a:xfrm>
+            <a:off x="8906997" y="2065034"/>
+            <a:ext cx="1280451" cy="1039804"/>
+          </a:xfrm>
+          <a:prstGeom prst="rightArrow">
+            <a:avLst/>
+          </a:prstGeom>
+          <a:solidFill>
+            <a:schemeClr val="accent6">
+              <a:lumMod val="20000"/>
+              <a:lumOff val="80000"/>
+            </a:schemeClr>
+          </a:solidFill>
+        </p:spPr>
+        <p:style>
+          <a:lnRef idx="2">
+            <a:schemeClr val="accent1">
+              <a:shade val="50000"/>
+            </a:schemeClr>
+          </a:lnRef>
+          <a:fillRef idx="1">
+            <a:schemeClr val="accent1"/>
+          </a:fillRef>
+          <a:effectRef idx="0">
+            <a:schemeClr val="accent1"/>
+          </a:effectRef>
+          <a:fontRef idx="minor">
+            <a:schemeClr val="lt1"/>
+          </a:fontRef>
+        </p:style>
+        <p:txBody>
+          <a:bodyPr rtlCol="0" anchor="ctr"/>
+          <a:lstStyle/>
+          <a:p>
+            <a:pPr algn="ctr"/>
+            <a:endParaRPr lang="en-US"/>
+          </a:p>
+        </p:txBody>
+      </p:sp>
+      <p:sp>
+        <p:nvSpPr>
+          <p:cNvPr id="9" name="Arrow: U-Turn 8">
+            <a:extLst>
+              <a:ext uri="{FF2B5EF4-FFF2-40B4-BE49-F238E27FC236}">
+                <a16:creationId xmlns:a16="http://schemas.microsoft.com/office/drawing/2014/main" id="{16BADB61-6C71-47BA-B4E1-15564A31F214}"/>
+              </a:ext>
+            </a:extLst>
+          </p:cNvPr>
+          <p:cNvSpPr/>
+          <p:nvPr/>
+        </p:nvSpPr>
+        <p:spPr>
+          <a:xfrm rot="10800000">
+            <a:off x="770635" y="3583873"/>
+            <a:ext cx="10541797" cy="1595747"/>
+          </a:xfrm>
+          <a:prstGeom prst="uturnArrow">
+            <a:avLst>
+              <a:gd name="adj1" fmla="val 22803"/>
+              <a:gd name="adj2" fmla="val 20074"/>
+              <a:gd name="adj3" fmla="val 24015"/>
+              <a:gd name="adj4" fmla="val 43750"/>
+              <a:gd name="adj5" fmla="val 100000"/>
+            </a:avLst>
+          </a:prstGeom>
+          <a:solidFill>
+            <a:schemeClr val="accent6">
+              <a:lumMod val="20000"/>
+              <a:lumOff val="80000"/>
+            </a:schemeClr>
+          </a:solidFill>
+        </p:spPr>
+        <p:style>
+          <a:lnRef idx="2">
+            <a:schemeClr val="accent1">
+              <a:shade val="50000"/>
+            </a:schemeClr>
+          </a:lnRef>
+          <a:fillRef idx="1">
+            <a:schemeClr val="accent1"/>
+          </a:fillRef>
+          <a:effectRef idx="0">
+            <a:schemeClr val="accent1"/>
+          </a:effectRef>
+          <a:fontRef idx="minor">
+            <a:schemeClr val="lt1"/>
+          </a:fontRef>
+        </p:style>
+        <p:txBody>
+          <a:bodyPr rtlCol="0" anchor="ctr"/>
+          <a:lstStyle/>
+          <a:p>
+            <a:pPr algn="ctr"/>
+            <a:endParaRPr lang="en-US">
+              <a:solidFill>
+                <a:schemeClr val="tx1"/>
+              </a:solidFill>
+            </a:endParaRPr>
+          </a:p>
+        </p:txBody>
+      </p:sp>
+      <p:sp>
+        <p:nvSpPr>
+          <p:cNvPr id="43" name="TextBox 42">
+            <a:extLst>
+              <a:ext uri="{FF2B5EF4-FFF2-40B4-BE49-F238E27FC236}">
+                <a16:creationId xmlns:a16="http://schemas.microsoft.com/office/drawing/2014/main" id="{0943FACA-1266-437C-A852-F65A7411E5A2}"/>
+              </a:ext>
+            </a:extLst>
+          </p:cNvPr>
+          <p:cNvSpPr txBox="1"/>
+          <p:nvPr/>
+        </p:nvSpPr>
+        <p:spPr>
+          <a:xfrm>
+            <a:off x="8772910" y="1480258"/>
+            <a:ext cx="1414538" cy="553998"/>
+          </a:xfrm>
+          <a:prstGeom prst="rect">
+            <a:avLst/>
+          </a:prstGeom>
+          <a:noFill/>
+        </p:spPr>
+        <p:txBody>
+          <a:bodyPr wrap="square" rtlCol="0">
+            <a:spAutoFit/>
+          </a:bodyPr>
+          <a:lstStyle/>
+          <a:p>
+            <a:pPr algn="ctr"/>
+            <a:r>
+              <a:rPr lang="en-US" sz="1500" dirty="0"/>
+              <a:t>Execute plan stochastically</a:t>
+            </a:r>
+          </a:p>
+        </p:txBody>
+      </p:sp>
+    </p:spTree>
+    <p:extLst>
+      <p:ext uri="{BB962C8B-B14F-4D97-AF65-F5344CB8AC3E}">
+        <p14:creationId xmlns:p14="http://schemas.microsoft.com/office/powerpoint/2010/main" val="2553978399"/>
+      </p:ext>
+    </p:extLst>
+  </p:cSld>
+  <p:clrMapOvr>
+    <a:masterClrMapping/>
+  </p:clrMapOvr>
+</p:sld>
+</file>
+
 <file path=ppt/theme/theme1.xml><?xml version="1.0" encoding="utf-8"?>
 <a:theme xmlns:a="http://schemas.openxmlformats.org/drawingml/2006/main" name="Office Theme">
   <a:themeElements>
